--- a/前來敬拜(崇拜版).pptx
+++ b/前來敬拜(崇拜版).pptx
@@ -9,7 +9,7 @@
     <p:sldId id="257" r:id="rId3"/>
     <p:sldId id="258" r:id="rId4"/>
   </p:sldIdLst>
-  <p:sldSz cx="9144000" cy="6858000" type="screen4x3"/>
+  <p:sldSz cx="12192000" cy="6858000"/>
   <p:notesSz cx="6858000" cy="9144000"/>
   <p:defaultTextStyle>
     <a:defPPr>
@@ -106,6 +106,22 @@
       </a:defRPr>
     </a:lvl9pPr>
   </p:defaultTextStyle>
+  <p:extLst>
+    <p:ext uri="{EFAFB233-063F-42B5-8137-9DF3F51BA10A}">
+      <p15:sldGuideLst xmlns:p15="http://schemas.microsoft.com/office/powerpoint/2012/main">
+        <p15:guide id="1" orient="horz" pos="2160" userDrawn="1">
+          <p15:clr>
+            <a:srgbClr val="A4A3A4"/>
+          </p15:clr>
+        </p15:guide>
+        <p15:guide id="2" pos="3840" userDrawn="1">
+          <p15:clr>
+            <a:srgbClr val="A4A3A4"/>
+          </p15:clr>
+        </p15:guide>
+      </p15:sldGuideLst>
+    </p:ext>
+  </p:extLst>
 </p:presentation>
 </file>
 
@@ -138,8 +154,8 @@
         </p:nvSpPr>
         <p:spPr>
           <a:xfrm>
-            <a:off x="685800" y="2130425"/>
-            <a:ext cx="7772400" cy="1470025"/>
+            <a:off x="914400" y="2130426"/>
+            <a:ext cx="10363200" cy="1470025"/>
           </a:xfrm>
         </p:spPr>
         <p:txBody>
@@ -166,8 +182,8 @@
         </p:nvSpPr>
         <p:spPr>
           <a:xfrm>
-            <a:off x="1371600" y="3886200"/>
-            <a:ext cx="6400800" cy="1752600"/>
+            <a:off x="1828800" y="3886200"/>
+            <a:ext cx="8534400" cy="1752600"/>
           </a:xfrm>
         </p:spPr>
         <p:txBody>
@@ -291,7 +307,7 @@
             <a:fld id="{F5111003-CFFD-4D7C-BD20-490209D697E8}" type="datetimeFigureOut">
               <a:rPr lang="zh-TW" altLang="en-US" smtClean="0"/>
               <a:pPr/>
-              <a:t>2018/4/3</a:t>
+              <a:t>2020/6/20</a:t>
             </a:fld>
             <a:endParaRPr lang="zh-TW" altLang="en-US"/>
           </a:p>
@@ -458,7 +474,7 @@
             <a:fld id="{F5111003-CFFD-4D7C-BD20-490209D697E8}" type="datetimeFigureOut">
               <a:rPr lang="zh-TW" altLang="en-US" smtClean="0"/>
               <a:pPr/>
-              <a:t>2018/4/3</a:t>
+              <a:t>2020/6/20</a:t>
             </a:fld>
             <a:endParaRPr lang="zh-TW" altLang="en-US"/>
           </a:p>
@@ -544,8 +560,8 @@
         </p:nvSpPr>
         <p:spPr>
           <a:xfrm>
-            <a:off x="6629400" y="274638"/>
-            <a:ext cx="2057400" cy="5851525"/>
+            <a:off x="8839200" y="274639"/>
+            <a:ext cx="2743200" cy="5851525"/>
           </a:xfrm>
         </p:spPr>
         <p:txBody>
@@ -572,8 +588,8 @@
         </p:nvSpPr>
         <p:spPr>
           <a:xfrm>
-            <a:off x="457200" y="274638"/>
-            <a:ext cx="6019800" cy="5851525"/>
+            <a:off x="609600" y="274639"/>
+            <a:ext cx="8026400" cy="5851525"/>
           </a:xfrm>
         </p:spPr>
         <p:txBody>
@@ -635,7 +651,7 @@
             <a:fld id="{F5111003-CFFD-4D7C-BD20-490209D697E8}" type="datetimeFigureOut">
               <a:rPr lang="zh-TW" altLang="en-US" smtClean="0"/>
               <a:pPr/>
-              <a:t>2018/4/3</a:t>
+              <a:t>2020/6/20</a:t>
             </a:fld>
             <a:endParaRPr lang="zh-TW" altLang="en-US"/>
           </a:p>
@@ -802,7 +818,7 @@
             <a:fld id="{F5111003-CFFD-4D7C-BD20-490209D697E8}" type="datetimeFigureOut">
               <a:rPr lang="zh-TW" altLang="en-US" smtClean="0"/>
               <a:pPr/>
-              <a:t>2018/4/3</a:t>
+              <a:t>2020/6/20</a:t>
             </a:fld>
             <a:endParaRPr lang="zh-TW" altLang="en-US"/>
           </a:p>
@@ -888,8 +904,8 @@
         </p:nvSpPr>
         <p:spPr>
           <a:xfrm>
-            <a:off x="722313" y="4406900"/>
-            <a:ext cx="7772400" cy="1362075"/>
+            <a:off x="963084" y="4406901"/>
+            <a:ext cx="10363200" cy="1362075"/>
           </a:xfrm>
         </p:spPr>
         <p:txBody>
@@ -920,8 +936,8 @@
         </p:nvSpPr>
         <p:spPr>
           <a:xfrm>
-            <a:off x="722313" y="2906713"/>
-            <a:ext cx="7772400" cy="1500187"/>
+            <a:off x="963084" y="2906713"/>
+            <a:ext cx="10363200" cy="1500187"/>
           </a:xfrm>
         </p:spPr>
         <p:txBody>
@@ -1045,7 +1061,7 @@
             <a:fld id="{F5111003-CFFD-4D7C-BD20-490209D697E8}" type="datetimeFigureOut">
               <a:rPr lang="zh-TW" altLang="en-US" smtClean="0"/>
               <a:pPr/>
-              <a:t>2018/4/3</a:t>
+              <a:t>2020/6/20</a:t>
             </a:fld>
             <a:endParaRPr lang="zh-TW" altLang="en-US"/>
           </a:p>
@@ -1154,8 +1170,8 @@
         </p:nvSpPr>
         <p:spPr>
           <a:xfrm>
-            <a:off x="457200" y="1600200"/>
-            <a:ext cx="4038600" cy="4525963"/>
+            <a:off x="609600" y="1600201"/>
+            <a:ext cx="5384800" cy="4525963"/>
           </a:xfrm>
         </p:spPr>
         <p:txBody>
@@ -1239,8 +1255,8 @@
         </p:nvSpPr>
         <p:spPr>
           <a:xfrm>
-            <a:off x="4648200" y="1600200"/>
-            <a:ext cx="4038600" cy="4525963"/>
+            <a:off x="6197600" y="1600201"/>
+            <a:ext cx="5384800" cy="4525963"/>
           </a:xfrm>
         </p:spPr>
         <p:txBody>
@@ -1330,7 +1346,7 @@
             <a:fld id="{F5111003-CFFD-4D7C-BD20-490209D697E8}" type="datetimeFigureOut">
               <a:rPr lang="zh-TW" altLang="en-US" smtClean="0"/>
               <a:pPr/>
-              <a:t>2018/4/3</a:t>
+              <a:t>2020/6/20</a:t>
             </a:fld>
             <a:endParaRPr lang="zh-TW" altLang="en-US"/>
           </a:p>
@@ -1443,8 +1459,8 @@
         </p:nvSpPr>
         <p:spPr>
           <a:xfrm>
-            <a:off x="457200" y="1535113"/>
-            <a:ext cx="4040188" cy="639762"/>
+            <a:off x="609600" y="1535113"/>
+            <a:ext cx="5386917" cy="639762"/>
           </a:xfrm>
         </p:spPr>
         <p:txBody>
@@ -1508,8 +1524,8 @@
         </p:nvSpPr>
         <p:spPr>
           <a:xfrm>
-            <a:off x="457200" y="2174875"/>
-            <a:ext cx="4040188" cy="3951288"/>
+            <a:off x="609600" y="2174875"/>
+            <a:ext cx="5386917" cy="3951288"/>
           </a:xfrm>
         </p:spPr>
         <p:txBody>
@@ -1593,8 +1609,8 @@
         </p:nvSpPr>
         <p:spPr>
           <a:xfrm>
-            <a:off x="4645025" y="1535113"/>
-            <a:ext cx="4041775" cy="639762"/>
+            <a:off x="6193368" y="1535113"/>
+            <a:ext cx="5389033" cy="639762"/>
           </a:xfrm>
         </p:spPr>
         <p:txBody>
@@ -1658,8 +1674,8 @@
         </p:nvSpPr>
         <p:spPr>
           <a:xfrm>
-            <a:off x="4645025" y="2174875"/>
-            <a:ext cx="4041775" cy="3951288"/>
+            <a:off x="6193368" y="2174875"/>
+            <a:ext cx="5389033" cy="3951288"/>
           </a:xfrm>
         </p:spPr>
         <p:txBody>
@@ -1749,7 +1765,7 @@
             <a:fld id="{F5111003-CFFD-4D7C-BD20-490209D697E8}" type="datetimeFigureOut">
               <a:rPr lang="zh-TW" altLang="en-US" smtClean="0"/>
               <a:pPr/>
-              <a:t>2018/4/3</a:t>
+              <a:t>2020/6/20</a:t>
             </a:fld>
             <a:endParaRPr lang="zh-TW" altLang="en-US"/>
           </a:p>
@@ -1864,7 +1880,7 @@
             <a:fld id="{F5111003-CFFD-4D7C-BD20-490209D697E8}" type="datetimeFigureOut">
               <a:rPr lang="zh-TW" altLang="en-US" smtClean="0"/>
               <a:pPr/>
-              <a:t>2018/4/3</a:t>
+              <a:t>2020/6/20</a:t>
             </a:fld>
             <a:endParaRPr lang="zh-TW" altLang="en-US"/>
           </a:p>
@@ -1956,7 +1972,7 @@
             <a:fld id="{F5111003-CFFD-4D7C-BD20-490209D697E8}" type="datetimeFigureOut">
               <a:rPr lang="zh-TW" altLang="en-US" smtClean="0"/>
               <a:pPr/>
-              <a:t>2018/4/3</a:t>
+              <a:t>2020/6/20</a:t>
             </a:fld>
             <a:endParaRPr lang="zh-TW" altLang="en-US"/>
           </a:p>
@@ -2042,8 +2058,8 @@
         </p:nvSpPr>
         <p:spPr>
           <a:xfrm>
-            <a:off x="457200" y="273050"/>
-            <a:ext cx="3008313" cy="1162050"/>
+            <a:off x="609601" y="273050"/>
+            <a:ext cx="4011084" cy="1162050"/>
           </a:xfrm>
         </p:spPr>
         <p:txBody>
@@ -2074,8 +2090,8 @@
         </p:nvSpPr>
         <p:spPr>
           <a:xfrm>
-            <a:off x="3575050" y="273050"/>
-            <a:ext cx="5111750" cy="5853113"/>
+            <a:off x="4766733" y="273051"/>
+            <a:ext cx="6815667" cy="5853113"/>
           </a:xfrm>
         </p:spPr>
         <p:txBody>
@@ -2159,8 +2175,8 @@
         </p:nvSpPr>
         <p:spPr>
           <a:xfrm>
-            <a:off x="457200" y="1435100"/>
-            <a:ext cx="3008313" cy="4691063"/>
+            <a:off x="609601" y="1435101"/>
+            <a:ext cx="4011084" cy="4691063"/>
           </a:xfrm>
         </p:spPr>
         <p:txBody>
@@ -2230,7 +2246,7 @@
             <a:fld id="{F5111003-CFFD-4D7C-BD20-490209D697E8}" type="datetimeFigureOut">
               <a:rPr lang="zh-TW" altLang="en-US" smtClean="0"/>
               <a:pPr/>
-              <a:t>2018/4/3</a:t>
+              <a:t>2020/6/20</a:t>
             </a:fld>
             <a:endParaRPr lang="zh-TW" altLang="en-US"/>
           </a:p>
@@ -2316,8 +2332,8 @@
         </p:nvSpPr>
         <p:spPr>
           <a:xfrm>
-            <a:off x="1792288" y="4800600"/>
-            <a:ext cx="5486400" cy="566738"/>
+            <a:off x="2389717" y="4800600"/>
+            <a:ext cx="7315200" cy="566738"/>
           </a:xfrm>
         </p:spPr>
         <p:txBody>
@@ -2348,8 +2364,8 @@
         </p:nvSpPr>
         <p:spPr>
           <a:xfrm>
-            <a:off x="1792288" y="612775"/>
-            <a:ext cx="5486400" cy="4114800"/>
+            <a:off x="2389717" y="612775"/>
+            <a:ext cx="7315200" cy="4114800"/>
           </a:xfrm>
         </p:spPr>
         <p:txBody>
@@ -2413,8 +2429,8 @@
         </p:nvSpPr>
         <p:spPr>
           <a:xfrm>
-            <a:off x="1792288" y="5367338"/>
-            <a:ext cx="5486400" cy="804862"/>
+            <a:off x="2389717" y="5367338"/>
+            <a:ext cx="7315200" cy="804862"/>
           </a:xfrm>
         </p:spPr>
         <p:txBody>
@@ -2484,7 +2500,7 @@
             <a:fld id="{F5111003-CFFD-4D7C-BD20-490209D697E8}" type="datetimeFigureOut">
               <a:rPr lang="zh-TW" altLang="en-US" smtClean="0"/>
               <a:pPr/>
-              <a:t>2018/4/3</a:t>
+              <a:t>2020/6/20</a:t>
             </a:fld>
             <a:endParaRPr lang="zh-TW" altLang="en-US"/>
           </a:p>
@@ -2580,8 +2596,8 @@
         </p:nvSpPr>
         <p:spPr>
           <a:xfrm>
-            <a:off x="457200" y="274638"/>
-            <a:ext cx="8229600" cy="1143000"/>
+            <a:off x="609600" y="274638"/>
+            <a:ext cx="10972800" cy="1143000"/>
           </a:xfrm>
           <a:prstGeom prst="rect">
             <a:avLst/>
@@ -2613,8 +2629,8 @@
         </p:nvSpPr>
         <p:spPr>
           <a:xfrm>
-            <a:off x="457200" y="1600200"/>
-            <a:ext cx="8229600" cy="4525963"/>
+            <a:off x="609600" y="1600201"/>
+            <a:ext cx="10972800" cy="4525963"/>
           </a:xfrm>
           <a:prstGeom prst="rect">
             <a:avLst/>
@@ -2675,8 +2691,8 @@
         </p:nvSpPr>
         <p:spPr>
           <a:xfrm>
-            <a:off x="457200" y="6356350"/>
-            <a:ext cx="2133600" cy="365125"/>
+            <a:off x="609600" y="6356351"/>
+            <a:ext cx="2844800" cy="365125"/>
           </a:xfrm>
           <a:prstGeom prst="rect">
             <a:avLst/>
@@ -2699,7 +2715,7 @@
             <a:fld id="{F5111003-CFFD-4D7C-BD20-490209D697E8}" type="datetimeFigureOut">
               <a:rPr lang="zh-TW" altLang="en-US" smtClean="0"/>
               <a:pPr/>
-              <a:t>2018/4/3</a:t>
+              <a:t>2020/6/20</a:t>
             </a:fld>
             <a:endParaRPr lang="zh-TW" altLang="en-US"/>
           </a:p>
@@ -2717,8 +2733,8 @@
         </p:nvSpPr>
         <p:spPr>
           <a:xfrm>
-            <a:off x="3124200" y="6356350"/>
-            <a:ext cx="2895600" cy="365125"/>
+            <a:off x="4165600" y="6356351"/>
+            <a:ext cx="3860800" cy="365125"/>
           </a:xfrm>
           <a:prstGeom prst="rect">
             <a:avLst/>
@@ -2754,8 +2770,8 @@
         </p:nvSpPr>
         <p:spPr>
           <a:xfrm>
-            <a:off x="6553200" y="6356350"/>
-            <a:ext cx="2133600" cy="365125"/>
+            <a:off x="8737600" y="6356351"/>
+            <a:ext cx="2844800" cy="365125"/>
           </a:xfrm>
           <a:prstGeom prst="rect">
             <a:avLst/>
@@ -3136,7 +3152,7 @@
               <a:t>哈利路</a:t>
             </a:r>
             <a:r>
-              <a:rPr lang="zh-TW" altLang="en-US" sz="5400" b="1" dirty="0" smtClean="0">
+              <a:rPr lang="zh-TW" altLang="en-US" sz="5400" b="1" dirty="0">
                 <a:solidFill>
                   <a:srgbClr val="000066"/>
                 </a:solidFill>
@@ -3156,7 +3172,7 @@
               <a:t>利路</a:t>
             </a:r>
             <a:r>
-              <a:rPr lang="zh-TW" altLang="en-US" sz="5400" b="1" dirty="0" smtClean="0">
+              <a:rPr lang="zh-TW" altLang="en-US" sz="5400" b="1" dirty="0">
                 <a:solidFill>
                   <a:srgbClr val="000066"/>
                 </a:solidFill>
@@ -3165,7 +3181,7 @@
               </a:rPr>
               <a:t>亞</a:t>
             </a:r>
-            <a:endParaRPr lang="en-US" altLang="zh-TW" sz="5400" b="1" dirty="0" smtClean="0">
+            <a:endParaRPr lang="en-US" altLang="zh-TW" sz="5400" b="1" dirty="0">
               <a:solidFill>
                 <a:srgbClr val="000066"/>
               </a:solidFill>
@@ -3178,7 +3194,7 @@
               <a:buNone/>
             </a:pPr>
             <a:r>
-              <a:rPr lang="zh-TW" altLang="en-US" sz="5400" b="1" dirty="0" smtClean="0">
+              <a:rPr lang="zh-TW" altLang="en-US" sz="5400" b="1" dirty="0">
                 <a:solidFill>
                   <a:srgbClr val="000066"/>
                 </a:solidFill>
@@ -3198,7 +3214,7 @@
               <a:t>敬拜永遠的</a:t>
             </a:r>
             <a:r>
-              <a:rPr lang="zh-TW" altLang="en-US" sz="5400" b="1" dirty="0" smtClean="0">
+              <a:rPr lang="zh-TW" altLang="en-US" sz="5400" b="1" dirty="0">
                 <a:solidFill>
                   <a:srgbClr val="000066"/>
                 </a:solidFill>
@@ -3207,7 +3223,7 @@
               </a:rPr>
               <a:t>君王</a:t>
             </a:r>
-            <a:endParaRPr lang="en-US" altLang="zh-TW" sz="5400" b="1" dirty="0" smtClean="0">
+            <a:endParaRPr lang="en-US" altLang="zh-TW" sz="5400" b="1" dirty="0">
               <a:solidFill>
                 <a:srgbClr val="000066"/>
               </a:solidFill>
@@ -3220,7 +3236,7 @@
               <a:buNone/>
             </a:pPr>
             <a:r>
-              <a:rPr lang="zh-TW" altLang="en-US" sz="5400" b="1" dirty="0" smtClean="0">
+              <a:rPr lang="zh-TW" altLang="en-US" sz="5400" b="1" dirty="0">
                 <a:solidFill>
                   <a:srgbClr val="000066"/>
                 </a:solidFill>
@@ -3240,7 +3256,7 @@
               <a:t>利路</a:t>
             </a:r>
             <a:r>
-              <a:rPr lang="zh-TW" altLang="en-US" sz="5400" b="1" dirty="0" smtClean="0">
+              <a:rPr lang="zh-TW" altLang="en-US" sz="5400" b="1" dirty="0">
                 <a:solidFill>
                   <a:srgbClr val="000066"/>
                 </a:solidFill>
@@ -3260,7 +3276,7 @@
               <a:t>利路</a:t>
             </a:r>
             <a:r>
-              <a:rPr lang="zh-TW" altLang="en-US" sz="5400" b="1" dirty="0" smtClean="0">
+              <a:rPr lang="zh-TW" altLang="en-US" sz="5400" b="1" dirty="0">
                 <a:solidFill>
                   <a:srgbClr val="000066"/>
                 </a:solidFill>
@@ -3269,7 +3285,7 @@
               </a:rPr>
               <a:t>亞</a:t>
             </a:r>
-            <a:endParaRPr lang="en-US" altLang="zh-TW" sz="5400" b="1" dirty="0" smtClean="0">
+            <a:endParaRPr lang="en-US" altLang="zh-TW" sz="5400" b="1" dirty="0">
               <a:solidFill>
                 <a:srgbClr val="000066"/>
               </a:solidFill>
@@ -3282,7 +3298,7 @@
               <a:buNone/>
             </a:pPr>
             <a:r>
-              <a:rPr lang="zh-TW" altLang="en-US" sz="5400" b="1" dirty="0" smtClean="0">
+              <a:rPr lang="zh-TW" altLang="en-US" sz="5400" b="1" dirty="0">
                 <a:solidFill>
                   <a:srgbClr val="000066"/>
                 </a:solidFill>
@@ -3376,7 +3392,7 @@
         </p:nvSpPr>
         <p:spPr>
           <a:xfrm>
-            <a:off x="457200" y="1600200"/>
+            <a:off x="1981200" y="1600200"/>
             <a:ext cx="8229600" cy="5257800"/>
           </a:xfrm>
         </p:spPr>
@@ -3390,16 +3406,36 @@
               <a:buNone/>
             </a:pPr>
             <a:r>
-              <a:rPr lang="zh-TW" altLang="en-US" sz="5400" b="1" dirty="0" smtClean="0">
+              <a:rPr lang="zh-TW" altLang="en-US" sz="5400" b="1" dirty="0">
                 <a:solidFill>
                   <a:srgbClr val="000066"/>
                 </a:solidFill>
                 <a:latin typeface="微軟正黑體" pitchFamily="34" charset="-120"/>
                 <a:ea typeface="微軟正黑體" pitchFamily="34" charset="-120"/>
               </a:rPr>
-              <a:t>榮耀尊貴  能力權柄歸於你</a:t>
-            </a:r>
-            <a:endParaRPr lang="en-US" altLang="zh-TW" sz="5400" b="1" dirty="0" smtClean="0">
+              <a:t>榮耀尊貴  能力權柄歸</a:t>
+            </a:r>
+            <a:r>
+              <a:rPr lang="zh-TW" altLang="en-US" sz="5400" b="1" dirty="0" smtClean="0">
+                <a:solidFill>
+                  <a:srgbClr val="000066"/>
+                </a:solidFill>
+                <a:latin typeface="微軟正黑體" pitchFamily="34" charset="-120"/>
+                <a:ea typeface="微軟正黑體" pitchFamily="34" charset="-120"/>
+              </a:rPr>
+              <a:t>於</a:t>
+            </a:r>
+            <a:r>
+              <a:rPr lang="zh-CN" altLang="en-US" sz="5400" b="1" dirty="0" smtClean="0">
+                <a:solidFill>
+                  <a:srgbClr val="000066"/>
+                </a:solidFill>
+                <a:latin typeface="微軟正黑體" pitchFamily="34" charset="-120"/>
+                <a:ea typeface="微軟正黑體" pitchFamily="34" charset="-120"/>
+              </a:rPr>
+              <a:t>袮</a:t>
+            </a:r>
+            <a:endParaRPr lang="en-US" altLang="zh-TW" sz="5400" b="1" dirty="0">
               <a:solidFill>
                 <a:srgbClr val="000066"/>
               </a:solidFill>
@@ -3412,16 +3448,36 @@
               <a:buNone/>
             </a:pPr>
             <a:r>
-              <a:rPr lang="zh-TW" altLang="en-US" sz="5400" b="1" dirty="0" smtClean="0">
+              <a:rPr lang="zh-CN" altLang="en-US" sz="5400" b="1" dirty="0">
                 <a:solidFill>
                   <a:srgbClr val="000066"/>
                 </a:solidFill>
                 <a:latin typeface="微軟正黑體" pitchFamily="34" charset="-120"/>
                 <a:ea typeface="微軟正黑體" pitchFamily="34" charset="-120"/>
               </a:rPr>
-              <a:t>你是我的救主  我的救贖</a:t>
-            </a:r>
-            <a:endParaRPr lang="en-US" altLang="zh-TW" sz="5400" b="1" dirty="0" smtClean="0">
+              <a:t>袮</a:t>
+            </a:r>
+            <a:r>
+              <a:rPr lang="zh-TW" altLang="en-US" sz="5400" b="1" dirty="0" smtClean="0">
+                <a:solidFill>
+                  <a:srgbClr val="000066"/>
+                </a:solidFill>
+                <a:latin typeface="微軟正黑體" pitchFamily="34" charset="-120"/>
+                <a:ea typeface="微軟正黑體" pitchFamily="34" charset="-120"/>
+              </a:rPr>
+              <a:t>是</a:t>
+            </a:r>
+            <a:r>
+              <a:rPr lang="zh-TW" altLang="en-US" sz="5400" b="1" dirty="0">
+                <a:solidFill>
+                  <a:srgbClr val="000066"/>
+                </a:solidFill>
+                <a:latin typeface="微軟正黑體" pitchFamily="34" charset="-120"/>
+                <a:ea typeface="微軟正黑體" pitchFamily="34" charset="-120"/>
+              </a:rPr>
+              <a:t>我的救主  我的救贖</a:t>
+            </a:r>
+            <a:endParaRPr lang="en-US" altLang="zh-TW" sz="5400" b="1" dirty="0">
               <a:solidFill>
                 <a:srgbClr val="000066"/>
               </a:solidFill>
@@ -3434,16 +3490,36 @@
               <a:buNone/>
             </a:pPr>
             <a:r>
-              <a:rPr lang="zh-TW" altLang="en-US" sz="5400" b="1" dirty="0" smtClean="0">
+              <a:rPr lang="zh-TW" altLang="en-US" sz="5400" b="1" dirty="0">
                 <a:solidFill>
                   <a:srgbClr val="000066"/>
                 </a:solidFill>
                 <a:latin typeface="微軟正黑體" pitchFamily="34" charset="-120"/>
                 <a:ea typeface="微軟正黑體" pitchFamily="34" charset="-120"/>
               </a:rPr>
-              <a:t>榮耀尊貴  能力權柄歸於你</a:t>
-            </a:r>
-            <a:endParaRPr lang="en-US" altLang="zh-TW" sz="5400" b="1" dirty="0" smtClean="0">
+              <a:t>榮耀尊貴  能力權柄歸</a:t>
+            </a:r>
+            <a:r>
+              <a:rPr lang="zh-TW" altLang="en-US" sz="5400" b="1" dirty="0" smtClean="0">
+                <a:solidFill>
+                  <a:srgbClr val="000066"/>
+                </a:solidFill>
+                <a:latin typeface="微軟正黑體" pitchFamily="34" charset="-120"/>
+                <a:ea typeface="微軟正黑體" pitchFamily="34" charset="-120"/>
+              </a:rPr>
+              <a:t>於</a:t>
+            </a:r>
+            <a:r>
+              <a:rPr lang="zh-CN" altLang="en-US" sz="5400" b="1" dirty="0">
+                <a:solidFill>
+                  <a:srgbClr val="000066"/>
+                </a:solidFill>
+                <a:latin typeface="微軟正黑體" pitchFamily="34" charset="-120"/>
+                <a:ea typeface="微軟正黑體" pitchFamily="34" charset="-120"/>
+              </a:rPr>
+              <a:t>袮</a:t>
+            </a:r>
+            <a:endParaRPr lang="en-US" altLang="zh-TW" sz="5400" b="1" dirty="0">
               <a:solidFill>
                 <a:srgbClr val="000066"/>
               </a:solidFill>
@@ -3456,16 +3532,76 @@
               <a:buNone/>
             </a:pPr>
             <a:r>
-              <a:rPr lang="zh-TW" altLang="en-US" sz="5400" b="1" dirty="0" smtClean="0">
+              <a:rPr lang="zh-CN" altLang="en-US" sz="5400" b="1" dirty="0">
                 <a:solidFill>
                   <a:srgbClr val="000066"/>
                 </a:solidFill>
                 <a:latin typeface="微軟正黑體" pitchFamily="34" charset="-120"/>
                 <a:ea typeface="微軟正黑體" pitchFamily="34" charset="-120"/>
               </a:rPr>
-              <a:t>你是配得  你是配得</a:t>
-            </a:r>
-            <a:endParaRPr lang="en-US" altLang="zh-TW" sz="5400" b="1" dirty="0" smtClean="0">
+              <a:t>袮</a:t>
+            </a:r>
+            <a:r>
+              <a:rPr lang="zh-TW" altLang="en-US" sz="5400" b="1" dirty="0" smtClean="0">
+                <a:solidFill>
+                  <a:srgbClr val="000066"/>
+                </a:solidFill>
+                <a:latin typeface="微軟正黑體" pitchFamily="34" charset="-120"/>
+                <a:ea typeface="微軟正黑體" pitchFamily="34" charset="-120"/>
+              </a:rPr>
+              <a:t>是</a:t>
+            </a:r>
+            <a:r>
+              <a:rPr lang="zh-TW" altLang="en-US" sz="5400" b="1" dirty="0">
+                <a:solidFill>
+                  <a:srgbClr val="000066"/>
+                </a:solidFill>
+                <a:latin typeface="微軟正黑體" pitchFamily="34" charset="-120"/>
+                <a:ea typeface="微軟正黑體" pitchFamily="34" charset="-120"/>
+              </a:rPr>
+              <a:t>配</a:t>
+            </a:r>
+            <a:r>
+              <a:rPr lang="zh-TW" altLang="en-US" sz="5400" b="1" dirty="0" smtClean="0">
+                <a:solidFill>
+                  <a:srgbClr val="000066"/>
+                </a:solidFill>
+                <a:latin typeface="微軟正黑體" pitchFamily="34" charset="-120"/>
+                <a:ea typeface="微軟正黑體" pitchFamily="34" charset="-120"/>
+              </a:rPr>
+              <a:t>得  </a:t>
+            </a:r>
+            <a:r>
+              <a:rPr lang="zh-CN" altLang="en-US" sz="5400" b="1" dirty="0" smtClean="0">
+                <a:solidFill>
+                  <a:srgbClr val="000066"/>
+                </a:solidFill>
+                <a:latin typeface="微軟正黑體" pitchFamily="34" charset="-120"/>
+                <a:ea typeface="微軟正黑體" pitchFamily="34" charset="-120"/>
+              </a:rPr>
+              <a:t>袮</a:t>
+            </a:r>
+            <a:r>
+              <a:rPr lang="zh-TW" altLang="en-US" sz="5400" b="1" dirty="0" smtClean="0">
+                <a:solidFill>
+                  <a:srgbClr val="000066"/>
+                </a:solidFill>
+                <a:latin typeface="微軟正黑體" pitchFamily="34" charset="-120"/>
+                <a:ea typeface="微軟正黑體" pitchFamily="34" charset="-120"/>
+              </a:rPr>
+              <a:t>是</a:t>
+            </a:r>
+            <a:r>
+              <a:rPr lang="zh-TW" altLang="en-US" sz="5400" b="1" dirty="0">
+                <a:solidFill>
+                  <a:srgbClr val="000066"/>
+                </a:solidFill>
+                <a:latin typeface="微軟正黑體" pitchFamily="34" charset="-120"/>
+                <a:ea typeface="微軟正黑體" pitchFamily="34" charset="-120"/>
+              </a:rPr>
+              <a:t>配得</a:t>
+            </a:r>
+            <a:endParaRPr lang="en-US" altLang="zh-TW" sz="5400" b="1" dirty="0">
               <a:solidFill>
                 <a:srgbClr val="000066"/>
               </a:solidFill>
@@ -3478,14 +3614,34 @@
               <a:buNone/>
             </a:pPr>
             <a:r>
-              <a:rPr lang="zh-TW" altLang="en-US" sz="5400" b="1" dirty="0" smtClean="0">
+              <a:rPr lang="zh-CN" altLang="en-US" sz="5400" b="1" dirty="0">
                 <a:solidFill>
                   <a:srgbClr val="000066"/>
                 </a:solidFill>
                 <a:latin typeface="微軟正黑體" pitchFamily="34" charset="-120"/>
                 <a:ea typeface="微軟正黑體" pitchFamily="34" charset="-120"/>
               </a:rPr>
-              <a:t>你是配得我的敬拜</a:t>
+              <a:t>袮</a:t>
+            </a:r>
+            <a:r>
+              <a:rPr lang="zh-TW" altLang="en-US" sz="5400" b="1" dirty="0" smtClean="0">
+                <a:solidFill>
+                  <a:srgbClr val="000066"/>
+                </a:solidFill>
+                <a:latin typeface="微軟正黑體" pitchFamily="34" charset="-120"/>
+                <a:ea typeface="微軟正黑體" pitchFamily="34" charset="-120"/>
+              </a:rPr>
+              <a:t>是</a:t>
+            </a:r>
+            <a:r>
+              <a:rPr lang="zh-TW" altLang="en-US" sz="5400" b="1" dirty="0">
+                <a:solidFill>
+                  <a:srgbClr val="000066"/>
+                </a:solidFill>
+                <a:latin typeface="微軟正黑體" pitchFamily="34" charset="-120"/>
+                <a:ea typeface="微軟正黑體" pitchFamily="34" charset="-120"/>
+              </a:rPr>
+              <a:t>配得我的敬拜</a:t>
             </a:r>
             <a:endParaRPr lang="zh-TW" altLang="en-US" sz="5400" b="1" dirty="0">
               <a:solidFill>
@@ -3569,7 +3725,7 @@
         </p:nvSpPr>
         <p:spPr>
           <a:xfrm>
-            <a:off x="457200" y="1600200"/>
+            <a:off x="1981200" y="1600200"/>
             <a:ext cx="8229600" cy="5257800"/>
           </a:xfrm>
         </p:spPr>
@@ -3583,7 +3739,7 @@
               <a:buNone/>
             </a:pPr>
             <a:r>
-              <a:rPr lang="zh-TW" altLang="en-US" sz="5400" b="1" dirty="0" smtClean="0">
+              <a:rPr lang="zh-TW" altLang="en-US" sz="5400" b="1" dirty="0">
                 <a:solidFill>
                   <a:srgbClr val="000066"/>
                 </a:solidFill>
@@ -3592,7 +3748,7 @@
               </a:rPr>
               <a:t>榮耀尊貴  美麗無比</a:t>
             </a:r>
-            <a:endParaRPr lang="en-US" altLang="zh-TW" sz="5400" b="1" dirty="0" smtClean="0">
+            <a:endParaRPr lang="en-US" altLang="zh-TW" sz="5400" b="1" dirty="0">
               <a:solidFill>
                 <a:srgbClr val="000066"/>
               </a:solidFill>
@@ -3605,7 +3761,7 @@
               <a:buNone/>
             </a:pPr>
             <a:r>
-              <a:rPr lang="zh-TW" altLang="en-US" sz="5400" b="1" dirty="0" smtClean="0">
+              <a:rPr lang="zh-TW" altLang="en-US" sz="5400" b="1" dirty="0">
                 <a:solidFill>
                   <a:srgbClr val="000066"/>
                 </a:solidFill>
@@ -3614,7 +3770,7 @@
               </a:rPr>
               <a:t>神的兒子  耶穌我的主</a:t>
             </a:r>
-            <a:endParaRPr lang="en-US" altLang="zh-TW" sz="5400" b="1" dirty="0" smtClean="0">
+            <a:endParaRPr lang="en-US" altLang="zh-TW" sz="5400" b="1" dirty="0">
               <a:solidFill>
                 <a:srgbClr val="000066"/>
               </a:solidFill>
@@ -3627,7 +3783,7 @@
               <a:buNone/>
             </a:pPr>
             <a:r>
-              <a:rPr lang="zh-TW" altLang="en-US" sz="5400" b="1" dirty="0" smtClean="0">
+              <a:rPr lang="zh-TW" altLang="en-US" sz="5400" b="1" dirty="0">
                 <a:solidFill>
                   <a:srgbClr val="000066"/>
                 </a:solidFill>
@@ -3636,7 +3792,7 @@
               </a:rPr>
               <a:t>榮耀尊貴  美麗無比</a:t>
             </a:r>
-            <a:endParaRPr lang="en-US" altLang="zh-TW" sz="5400" b="1" dirty="0" smtClean="0">
+            <a:endParaRPr lang="en-US" altLang="zh-TW" sz="5400" b="1" dirty="0">
               <a:solidFill>
                 <a:srgbClr val="000066"/>
               </a:solidFill>
@@ -3649,7 +3805,7 @@
               <a:buNone/>
             </a:pPr>
             <a:r>
-              <a:rPr lang="zh-TW" altLang="en-US" sz="5400" b="1" dirty="0" smtClean="0">
+              <a:rPr lang="zh-TW" altLang="en-US" sz="5400" b="1" dirty="0">
                 <a:solidFill>
                   <a:srgbClr val="000066"/>
                 </a:solidFill>

--- a/前來敬拜(崇拜版).pptx
+++ b/前來敬拜(崇拜版).pptx
@@ -5,9 +5,13 @@
     <p:sldMasterId id="2147483660" r:id="rId1"/>
   </p:sldMasterIdLst>
   <p:sldIdLst>
-    <p:sldId id="256" r:id="rId2"/>
-    <p:sldId id="257" r:id="rId3"/>
-    <p:sldId id="258" r:id="rId4"/>
+    <p:sldId id="259" r:id="rId2"/>
+    <p:sldId id="260" r:id="rId3"/>
+    <p:sldId id="261" r:id="rId4"/>
+    <p:sldId id="262" r:id="rId5"/>
+    <p:sldId id="263" r:id="rId6"/>
+    <p:sldId id="264" r:id="rId7"/>
+    <p:sldId id="265" r:id="rId8"/>
   </p:sldIdLst>
   <p:sldSz cx="12192000" cy="6858000"/>
   <p:notesSz cx="6858000" cy="9144000"/>
@@ -307,7 +311,7 @@
             <a:fld id="{F5111003-CFFD-4D7C-BD20-490209D697E8}" type="datetimeFigureOut">
               <a:rPr lang="zh-TW" altLang="en-US" smtClean="0"/>
               <a:pPr/>
-              <a:t>2020/6/20</a:t>
+              <a:t>2022/2/26</a:t>
             </a:fld>
             <a:endParaRPr lang="zh-TW" altLang="en-US"/>
           </a:p>
@@ -474,7 +478,7 @@
             <a:fld id="{F5111003-CFFD-4D7C-BD20-490209D697E8}" type="datetimeFigureOut">
               <a:rPr lang="zh-TW" altLang="en-US" smtClean="0"/>
               <a:pPr/>
-              <a:t>2020/6/20</a:t>
+              <a:t>2022/2/26</a:t>
             </a:fld>
             <a:endParaRPr lang="zh-TW" altLang="en-US"/>
           </a:p>
@@ -651,7 +655,7 @@
             <a:fld id="{F5111003-CFFD-4D7C-BD20-490209D697E8}" type="datetimeFigureOut">
               <a:rPr lang="zh-TW" altLang="en-US" smtClean="0"/>
               <a:pPr/>
-              <a:t>2020/6/20</a:t>
+              <a:t>2022/2/26</a:t>
             </a:fld>
             <a:endParaRPr lang="zh-TW" altLang="en-US"/>
           </a:p>
@@ -818,7 +822,7 @@
             <a:fld id="{F5111003-CFFD-4D7C-BD20-490209D697E8}" type="datetimeFigureOut">
               <a:rPr lang="zh-TW" altLang="en-US" smtClean="0"/>
               <a:pPr/>
-              <a:t>2020/6/20</a:t>
+              <a:t>2022/2/26</a:t>
             </a:fld>
             <a:endParaRPr lang="zh-TW" altLang="en-US"/>
           </a:p>
@@ -1061,7 +1065,7 @@
             <a:fld id="{F5111003-CFFD-4D7C-BD20-490209D697E8}" type="datetimeFigureOut">
               <a:rPr lang="zh-TW" altLang="en-US" smtClean="0"/>
               <a:pPr/>
-              <a:t>2020/6/20</a:t>
+              <a:t>2022/2/26</a:t>
             </a:fld>
             <a:endParaRPr lang="zh-TW" altLang="en-US"/>
           </a:p>
@@ -1346,7 +1350,7 @@
             <a:fld id="{F5111003-CFFD-4D7C-BD20-490209D697E8}" type="datetimeFigureOut">
               <a:rPr lang="zh-TW" altLang="en-US" smtClean="0"/>
               <a:pPr/>
-              <a:t>2020/6/20</a:t>
+              <a:t>2022/2/26</a:t>
             </a:fld>
             <a:endParaRPr lang="zh-TW" altLang="en-US"/>
           </a:p>
@@ -1765,7 +1769,7 @@
             <a:fld id="{F5111003-CFFD-4D7C-BD20-490209D697E8}" type="datetimeFigureOut">
               <a:rPr lang="zh-TW" altLang="en-US" smtClean="0"/>
               <a:pPr/>
-              <a:t>2020/6/20</a:t>
+              <a:t>2022/2/26</a:t>
             </a:fld>
             <a:endParaRPr lang="zh-TW" altLang="en-US"/>
           </a:p>
@@ -1880,7 +1884,7 @@
             <a:fld id="{F5111003-CFFD-4D7C-BD20-490209D697E8}" type="datetimeFigureOut">
               <a:rPr lang="zh-TW" altLang="en-US" smtClean="0"/>
               <a:pPr/>
-              <a:t>2020/6/20</a:t>
+              <a:t>2022/2/26</a:t>
             </a:fld>
             <a:endParaRPr lang="zh-TW" altLang="en-US"/>
           </a:p>
@@ -1972,7 +1976,7 @@
             <a:fld id="{F5111003-CFFD-4D7C-BD20-490209D697E8}" type="datetimeFigureOut">
               <a:rPr lang="zh-TW" altLang="en-US" smtClean="0"/>
               <a:pPr/>
-              <a:t>2020/6/20</a:t>
+              <a:t>2022/2/26</a:t>
             </a:fld>
             <a:endParaRPr lang="zh-TW" altLang="en-US"/>
           </a:p>
@@ -2246,7 +2250,7 @@
             <a:fld id="{F5111003-CFFD-4D7C-BD20-490209D697E8}" type="datetimeFigureOut">
               <a:rPr lang="zh-TW" altLang="en-US" smtClean="0"/>
               <a:pPr/>
-              <a:t>2020/6/20</a:t>
+              <a:t>2022/2/26</a:t>
             </a:fld>
             <a:endParaRPr lang="zh-TW" altLang="en-US"/>
           </a:p>
@@ -2500,7 +2504,7 @@
             <a:fld id="{F5111003-CFFD-4D7C-BD20-490209D697E8}" type="datetimeFigureOut">
               <a:rPr lang="zh-TW" altLang="en-US" smtClean="0"/>
               <a:pPr/>
-              <a:t>2020/6/20</a:t>
+              <a:t>2022/2/26</a:t>
             </a:fld>
             <a:endParaRPr lang="zh-TW" altLang="en-US"/>
           </a:p>
@@ -2715,7 +2719,7 @@
             <a:fld id="{F5111003-CFFD-4D7C-BD20-490209D697E8}" type="datetimeFigureOut">
               <a:rPr lang="zh-TW" altLang="en-US" smtClean="0"/>
               <a:pPr/>
-              <a:t>2020/6/20</a:t>
+              <a:t>2022/2/26</a:t>
             </a:fld>
             <a:endParaRPr lang="zh-TW" altLang="en-US"/>
           </a:p>
@@ -3096,231 +3100,75 @@
             <p:ph type="title"/>
           </p:nvPr>
         </p:nvSpPr>
-        <p:spPr/>
-        <p:txBody>
-          <a:bodyPr/>
-          <a:lstStyle/>
-          <a:p>
-            <a:r>
-              <a:rPr lang="zh-CN" altLang="en-US" b="1" dirty="0" smtClean="0">
+        <p:spPr>
+          <a:xfrm>
+            <a:off x="0" y="2660915"/>
+            <a:ext cx="12192000" cy="1143000"/>
+          </a:xfrm>
+        </p:spPr>
+        <p:txBody>
+          <a:bodyPr>
+            <a:noAutofit/>
+          </a:bodyPr>
+          <a:lstStyle/>
+          <a:p>
+            <a:r>
+              <a:rPr lang="zh-CN" altLang="en-US" sz="7200" b="1" i="1" dirty="0">
                 <a:solidFill>
                   <a:srgbClr val="000066"/>
                 </a:solidFill>
+                <a:effectLst>
+                  <a:outerShdw blurRad="38100" dist="38100" dir="2700000" algn="tl">
+                    <a:srgbClr val="000000">
+                      <a:alpha val="43137"/>
+                    </a:srgbClr>
+                  </a:outerShdw>
+                </a:effectLst>
                 <a:latin typeface="微軟正黑體" pitchFamily="34" charset="-120"/>
                 <a:ea typeface="微軟正黑體" pitchFamily="34" charset="-120"/>
               </a:rPr>
-              <a:t>前來敬拜</a:t>
-            </a:r>
-            <a:endParaRPr lang="zh-TW" altLang="en-US" b="1" dirty="0">
+              <a:t>前</a:t>
+            </a:r>
+            <a:r>
+              <a:rPr lang="zh-CN" altLang="en-US" sz="7200" b="1" i="1" dirty="0">
+                <a:solidFill>
+                  <a:srgbClr val="000066"/>
+                </a:solidFill>
+                <a:effectLst>
+                  <a:outerShdw blurRad="38100" dist="38100" dir="2700000" algn="tl">
+                    <a:srgbClr val="000000">
+                      <a:alpha val="43137"/>
+                    </a:srgbClr>
+                  </a:outerShdw>
+                </a:effectLst>
+                <a:latin typeface="微軟正黑體" pitchFamily="34" charset="-120"/>
+                <a:ea typeface="微軟正黑體" pitchFamily="34" charset="-120"/>
+              </a:rPr>
+              <a:t>來敬拜</a:t>
+            </a:r>
+            <a:endParaRPr lang="zh-TW" altLang="en-US" sz="7200" b="1" i="1" dirty="0">
               <a:solidFill>
                 <a:srgbClr val="000066"/>
               </a:solidFill>
+              <a:effectLst>
+                <a:outerShdw blurRad="38100" dist="38100" dir="2700000" algn="tl">
+                  <a:srgbClr val="000000">
+                    <a:alpha val="43137"/>
+                  </a:srgbClr>
+                </a:outerShdw>
+              </a:effectLst>
               <a:latin typeface="微軟正黑體" pitchFamily="34" charset="-120"/>
               <a:ea typeface="微軟正黑體" pitchFamily="34" charset="-120"/>
             </a:endParaRPr>
           </a:p>
         </p:txBody>
       </p:sp>
-      <p:sp>
-        <p:nvSpPr>
-          <p:cNvPr id="5" name="內容版面配置區 4"/>
-          <p:cNvSpPr>
-            <a:spLocks noGrp="1"/>
-          </p:cNvSpPr>
-          <p:nvPr>
-            <p:ph idx="1"/>
-          </p:nvPr>
-        </p:nvSpPr>
-        <p:spPr/>
-        <p:txBody>
-          <a:bodyPr>
-            <a:normAutofit/>
-          </a:bodyPr>
-          <a:lstStyle/>
-          <a:p>
-            <a:pPr algn="ctr">
-              <a:buNone/>
-            </a:pPr>
-            <a:r>
-              <a:rPr lang="zh-TW" altLang="en-US" sz="5400" b="1" dirty="0">
-                <a:solidFill>
-                  <a:srgbClr val="000066"/>
-                </a:solidFill>
-                <a:latin typeface="微軟正黑體" pitchFamily="34" charset="-120"/>
-                <a:ea typeface="微軟正黑體" pitchFamily="34" charset="-120"/>
-              </a:rPr>
-              <a:t>哈利路</a:t>
-            </a:r>
-            <a:r>
-              <a:rPr lang="zh-TW" altLang="en-US" sz="5400" b="1" dirty="0">
-                <a:solidFill>
-                  <a:srgbClr val="000066"/>
-                </a:solidFill>
-                <a:latin typeface="微軟正黑體" pitchFamily="34" charset="-120"/>
-                <a:ea typeface="微軟正黑體" pitchFamily="34" charset="-120"/>
-              </a:rPr>
-              <a:t>亞  哈</a:t>
-            </a:r>
-            <a:r>
-              <a:rPr lang="zh-TW" altLang="en-US" sz="5400" b="1" dirty="0">
-                <a:solidFill>
-                  <a:srgbClr val="000066"/>
-                </a:solidFill>
-                <a:latin typeface="微軟正黑體" pitchFamily="34" charset="-120"/>
-                <a:ea typeface="微軟正黑體" pitchFamily="34" charset="-120"/>
-              </a:rPr>
-              <a:t>利路</a:t>
-            </a:r>
-            <a:r>
-              <a:rPr lang="zh-TW" altLang="en-US" sz="5400" b="1" dirty="0">
-                <a:solidFill>
-                  <a:srgbClr val="000066"/>
-                </a:solidFill>
-                <a:latin typeface="微軟正黑體" pitchFamily="34" charset="-120"/>
-                <a:ea typeface="微軟正黑體" pitchFamily="34" charset="-120"/>
-              </a:rPr>
-              <a:t>亞</a:t>
-            </a:r>
-            <a:endParaRPr lang="en-US" altLang="zh-TW" sz="5400" b="1" dirty="0">
-              <a:solidFill>
-                <a:srgbClr val="000066"/>
-              </a:solidFill>
-              <a:latin typeface="微軟正黑體" pitchFamily="34" charset="-120"/>
-              <a:ea typeface="微軟正黑體" pitchFamily="34" charset="-120"/>
-            </a:endParaRPr>
-          </a:p>
-          <a:p>
-            <a:pPr algn="ctr">
-              <a:buNone/>
-            </a:pPr>
-            <a:r>
-              <a:rPr lang="zh-TW" altLang="en-US" sz="5400" b="1" dirty="0">
-                <a:solidFill>
-                  <a:srgbClr val="000066"/>
-                </a:solidFill>
-                <a:latin typeface="微軟正黑體" pitchFamily="34" charset="-120"/>
-                <a:ea typeface="微軟正黑體" pitchFamily="34" charset="-120"/>
-              </a:rPr>
-              <a:t>前來</a:t>
-            </a:r>
-            <a:r>
-              <a:rPr lang="zh-TW" altLang="en-US" sz="5400" b="1" dirty="0">
-                <a:solidFill>
-                  <a:srgbClr val="000066"/>
-                </a:solidFill>
-                <a:latin typeface="微軟正黑體" pitchFamily="34" charset="-120"/>
-                <a:ea typeface="微軟正黑體" pitchFamily="34" charset="-120"/>
-              </a:rPr>
-              <a:t>敬拜永遠的</a:t>
-            </a:r>
-            <a:r>
-              <a:rPr lang="zh-TW" altLang="en-US" sz="5400" b="1" dirty="0">
-                <a:solidFill>
-                  <a:srgbClr val="000066"/>
-                </a:solidFill>
-                <a:latin typeface="微軟正黑體" pitchFamily="34" charset="-120"/>
-                <a:ea typeface="微軟正黑體" pitchFamily="34" charset="-120"/>
-              </a:rPr>
-              <a:t>君王</a:t>
-            </a:r>
-            <a:endParaRPr lang="en-US" altLang="zh-TW" sz="5400" b="1" dirty="0">
-              <a:solidFill>
-                <a:srgbClr val="000066"/>
-              </a:solidFill>
-              <a:latin typeface="微軟正黑體" pitchFamily="34" charset="-120"/>
-              <a:ea typeface="微軟正黑體" pitchFamily="34" charset="-120"/>
-            </a:endParaRPr>
-          </a:p>
-          <a:p>
-            <a:pPr algn="ctr">
-              <a:buNone/>
-            </a:pPr>
-            <a:r>
-              <a:rPr lang="zh-TW" altLang="en-US" sz="5400" b="1" dirty="0">
-                <a:solidFill>
-                  <a:srgbClr val="000066"/>
-                </a:solidFill>
-                <a:latin typeface="微軟正黑體" pitchFamily="34" charset="-120"/>
-                <a:ea typeface="微軟正黑體" pitchFamily="34" charset="-120"/>
-              </a:rPr>
-              <a:t>哈</a:t>
-            </a:r>
-            <a:r>
-              <a:rPr lang="zh-TW" altLang="en-US" sz="5400" b="1" dirty="0">
-                <a:solidFill>
-                  <a:srgbClr val="000066"/>
-                </a:solidFill>
-                <a:latin typeface="微軟正黑體" pitchFamily="34" charset="-120"/>
-                <a:ea typeface="微軟正黑體" pitchFamily="34" charset="-120"/>
-              </a:rPr>
-              <a:t>利路</a:t>
-            </a:r>
-            <a:r>
-              <a:rPr lang="zh-TW" altLang="en-US" sz="5400" b="1" dirty="0">
-                <a:solidFill>
-                  <a:srgbClr val="000066"/>
-                </a:solidFill>
-                <a:latin typeface="微軟正黑體" pitchFamily="34" charset="-120"/>
-                <a:ea typeface="微軟正黑體" pitchFamily="34" charset="-120"/>
-              </a:rPr>
-              <a:t>亞  哈</a:t>
-            </a:r>
-            <a:r>
-              <a:rPr lang="zh-TW" altLang="en-US" sz="5400" b="1" dirty="0">
-                <a:solidFill>
-                  <a:srgbClr val="000066"/>
-                </a:solidFill>
-                <a:latin typeface="微軟正黑體" pitchFamily="34" charset="-120"/>
-                <a:ea typeface="微軟正黑體" pitchFamily="34" charset="-120"/>
-              </a:rPr>
-              <a:t>利路</a:t>
-            </a:r>
-            <a:r>
-              <a:rPr lang="zh-TW" altLang="en-US" sz="5400" b="1" dirty="0">
-                <a:solidFill>
-                  <a:srgbClr val="000066"/>
-                </a:solidFill>
-                <a:latin typeface="微軟正黑體" pitchFamily="34" charset="-120"/>
-                <a:ea typeface="微軟正黑體" pitchFamily="34" charset="-120"/>
-              </a:rPr>
-              <a:t>亞</a:t>
-            </a:r>
-            <a:endParaRPr lang="en-US" altLang="zh-TW" sz="5400" b="1" dirty="0">
-              <a:solidFill>
-                <a:srgbClr val="000066"/>
-              </a:solidFill>
-              <a:latin typeface="微軟正黑體" pitchFamily="34" charset="-120"/>
-              <a:ea typeface="微軟正黑體" pitchFamily="34" charset="-120"/>
-            </a:endParaRPr>
-          </a:p>
-          <a:p>
-            <a:pPr algn="ctr">
-              <a:buNone/>
-            </a:pPr>
-            <a:r>
-              <a:rPr lang="zh-TW" altLang="en-US" sz="5400" b="1" dirty="0">
-                <a:solidFill>
-                  <a:srgbClr val="000066"/>
-                </a:solidFill>
-                <a:latin typeface="微軟正黑體" pitchFamily="34" charset="-120"/>
-                <a:ea typeface="微軟正黑體" pitchFamily="34" charset="-120"/>
-              </a:rPr>
-              <a:t>大聲</a:t>
-            </a:r>
-            <a:r>
-              <a:rPr lang="zh-TW" altLang="en-US" sz="5400" b="1" dirty="0">
-                <a:solidFill>
-                  <a:srgbClr val="000066"/>
-                </a:solidFill>
-                <a:latin typeface="微軟正黑體" pitchFamily="34" charset="-120"/>
-                <a:ea typeface="微軟正黑體" pitchFamily="34" charset="-120"/>
-              </a:rPr>
-              <a:t>宣告主榮耀降臨</a:t>
-            </a:r>
-          </a:p>
-        </p:txBody>
-      </p:sp>
     </p:spTree>
+    <p:extLst>
+      <p:ext uri="{BB962C8B-B14F-4D97-AF65-F5344CB8AC3E}">
+        <p14:creationId xmlns:p14="http://schemas.microsoft.com/office/powerpoint/2010/main" val="3399454745"/>
+      </p:ext>
+    </p:extLst>
   </p:cSld>
   <p:clrMapOvr>
     <a:masterClrMapping/>
@@ -3347,30 +3195,40 @@
       </p:grpSpPr>
       <p:sp>
         <p:nvSpPr>
-          <p:cNvPr id="4" name="標題 3"/>
-          <p:cNvSpPr>
-            <a:spLocks noGrp="1"/>
-          </p:cNvSpPr>
-          <p:nvPr>
-            <p:ph type="title"/>
-          </p:nvPr>
-        </p:nvSpPr>
-        <p:spPr/>
-        <p:txBody>
-          <a:bodyPr/>
-          <a:lstStyle/>
-          <a:p>
-            <a:r>
-              <a:rPr lang="zh-CN" altLang="en-US" b="1" dirty="0" smtClean="0">
+          <p:cNvPr id="5" name="內容版面配置區 4"/>
+          <p:cNvSpPr>
+            <a:spLocks noGrp="1"/>
+          </p:cNvSpPr>
+          <p:nvPr>
+            <p:ph idx="1"/>
+          </p:nvPr>
+        </p:nvSpPr>
+        <p:spPr>
+          <a:xfrm>
+            <a:off x="0" y="2084851"/>
+            <a:ext cx="12192000" cy="2404863"/>
+          </a:xfrm>
+        </p:spPr>
+        <p:txBody>
+          <a:bodyPr anchor="ctr">
+            <a:normAutofit/>
+          </a:bodyPr>
+          <a:lstStyle/>
+          <a:p>
+            <a:pPr algn="ctr">
+              <a:buNone/>
+            </a:pPr>
+            <a:r>
+              <a:rPr lang="zh-TW" altLang="en-US" sz="6400" b="1" dirty="0">
                 <a:solidFill>
                   <a:srgbClr val="000066"/>
                 </a:solidFill>
                 <a:latin typeface="微軟正黑體" pitchFamily="34" charset="-120"/>
                 <a:ea typeface="微軟正黑體" pitchFamily="34" charset="-120"/>
               </a:rPr>
-              <a:t>前來敬拜</a:t>
-            </a:r>
-            <a:endParaRPr lang="zh-TW" altLang="en-US" b="1" dirty="0">
+              <a:t>哈利路亞   哈利路亞</a:t>
+            </a:r>
+            <a:endParaRPr lang="en-US" altLang="zh-TW" sz="6400" b="1" dirty="0">
               <a:solidFill>
                 <a:srgbClr val="000066"/>
               </a:solidFill>
@@ -3378,64 +3236,21 @@
               <a:ea typeface="微軟正黑體" pitchFamily="34" charset="-120"/>
             </a:endParaRPr>
           </a:p>
-        </p:txBody>
-      </p:sp>
-      <p:sp>
-        <p:nvSpPr>
-          <p:cNvPr id="5" name="內容版面配置區 4"/>
-          <p:cNvSpPr>
-            <a:spLocks noGrp="1"/>
-          </p:cNvSpPr>
-          <p:nvPr>
-            <p:ph idx="1"/>
-          </p:nvPr>
-        </p:nvSpPr>
-        <p:spPr>
-          <a:xfrm>
-            <a:off x="1981200" y="1600200"/>
-            <a:ext cx="8229600" cy="5257800"/>
-          </a:xfrm>
-        </p:spPr>
-        <p:txBody>
-          <a:bodyPr>
-            <a:normAutofit/>
-          </a:bodyPr>
-          <a:lstStyle/>
           <a:p>
             <a:pPr algn="ctr">
               <a:buNone/>
             </a:pPr>
             <a:r>
-              <a:rPr lang="zh-TW" altLang="en-US" sz="5400" b="1" dirty="0">
+              <a:rPr lang="zh-TW" altLang="en-US" sz="6400" b="1" dirty="0">
                 <a:solidFill>
                   <a:srgbClr val="000066"/>
                 </a:solidFill>
                 <a:latin typeface="微軟正黑體" pitchFamily="34" charset="-120"/>
                 <a:ea typeface="微軟正黑體" pitchFamily="34" charset="-120"/>
               </a:rPr>
-              <a:t>榮耀尊貴  能力權柄歸</a:t>
-            </a:r>
-            <a:r>
-              <a:rPr lang="zh-TW" altLang="en-US" sz="5400" b="1" dirty="0" smtClean="0">
-                <a:solidFill>
-                  <a:srgbClr val="000066"/>
-                </a:solidFill>
-                <a:latin typeface="微軟正黑體" pitchFamily="34" charset="-120"/>
-                <a:ea typeface="微軟正黑體" pitchFamily="34" charset="-120"/>
-              </a:rPr>
-              <a:t>於</a:t>
-            </a:r>
-            <a:r>
-              <a:rPr lang="zh-CN" altLang="en-US" sz="5400" b="1" dirty="0" smtClean="0">
-                <a:solidFill>
-                  <a:srgbClr val="000066"/>
-                </a:solidFill>
-                <a:latin typeface="微軟正黑體" pitchFamily="34" charset="-120"/>
-                <a:ea typeface="微軟正黑體" pitchFamily="34" charset="-120"/>
-              </a:rPr>
-              <a:t>袮</a:t>
-            </a:r>
-            <a:endParaRPr lang="en-US" altLang="zh-TW" sz="5400" b="1" dirty="0">
+              <a:t>前來敬拜永遠的君王</a:t>
+            </a:r>
+            <a:endParaRPr lang="en-US" altLang="zh-TW" sz="6400" b="1" dirty="0">
               <a:solidFill>
                 <a:srgbClr val="000066"/>
               </a:solidFill>
@@ -3443,217 +3258,91 @@
               <a:ea typeface="微軟正黑體" pitchFamily="34" charset="-120"/>
             </a:endParaRPr>
           </a:p>
-          <a:p>
-            <a:pPr algn="ctr">
-              <a:buNone/>
-            </a:pPr>
-            <a:r>
-              <a:rPr lang="zh-CN" altLang="en-US" sz="5400" b="1" dirty="0">
+        </p:txBody>
+      </p:sp>
+      <p:sp>
+        <p:nvSpPr>
+          <p:cNvPr id="3" name="TextBox 2"/>
+          <p:cNvSpPr txBox="1"/>
+          <p:nvPr/>
+        </p:nvSpPr>
+        <p:spPr>
+          <a:xfrm>
+            <a:off x="178" y="5373218"/>
+            <a:ext cx="12191823" cy="769441"/>
+          </a:xfrm>
+          <a:prstGeom prst="rect">
+            <a:avLst/>
+          </a:prstGeom>
+          <a:noFill/>
+        </p:spPr>
+        <p:txBody>
+          <a:bodyPr wrap="square" rtlCol="0" anchor="ctr">
+            <a:spAutoFit/>
+          </a:bodyPr>
+          <a:lstStyle/>
+          <a:p>
+            <a:pPr algn="ctr"/>
+            <a:r>
+              <a:rPr lang="en-US" sz="4400" b="1" dirty="0">
                 <a:solidFill>
                   <a:srgbClr val="000066"/>
                 </a:solidFill>
-                <a:latin typeface="微軟正黑體" pitchFamily="34" charset="-120"/>
-                <a:ea typeface="微軟正黑體" pitchFamily="34" charset="-120"/>
+                <a:effectLst/>
+                <a:latin typeface="Microsoft JhengHei" panose="020B0604030504040204" pitchFamily="34" charset="-120"/>
+                <a:ea typeface="Microsoft JhengHei" panose="020B0604030504040204" pitchFamily="34" charset="-120"/>
               </a:rPr>
-              <a:t>袮</a:t>
-            </a:r>
-            <a:r>
-              <a:rPr lang="zh-TW" altLang="en-US" sz="5400" b="1" dirty="0" smtClean="0">
+              <a:t>( </a:t>
+            </a:r>
+            <a:r>
+              <a:rPr lang="zh-CN" altLang="en-US" sz="4400" b="1" dirty="0">
                 <a:solidFill>
                   <a:srgbClr val="000066"/>
                 </a:solidFill>
-                <a:latin typeface="微軟正黑體" pitchFamily="34" charset="-120"/>
-                <a:ea typeface="微軟正黑體" pitchFamily="34" charset="-120"/>
+                <a:effectLst/>
+                <a:latin typeface="Microsoft JhengHei" panose="020B0604030504040204" pitchFamily="34" charset="-120"/>
+                <a:ea typeface="Microsoft JhengHei" panose="020B0604030504040204" pitchFamily="34" charset="-120"/>
               </a:rPr>
-              <a:t>是</a:t>
-            </a:r>
-            <a:r>
-              <a:rPr lang="zh-TW" altLang="en-US" sz="5400" b="1" dirty="0">
+              <a:t>正</a:t>
+            </a:r>
+            <a:r>
+              <a:rPr lang="en-US" sz="4400" b="1" dirty="0">
                 <a:solidFill>
                   <a:srgbClr val="000066"/>
                 </a:solidFill>
-                <a:latin typeface="微軟正黑體" pitchFamily="34" charset="-120"/>
-                <a:ea typeface="微軟正黑體" pitchFamily="34" charset="-120"/>
+                <a:effectLst/>
+                <a:latin typeface="Microsoft JhengHei" panose="020B0604030504040204" pitchFamily="34" charset="-120"/>
+                <a:ea typeface="Microsoft JhengHei" panose="020B0604030504040204" pitchFamily="34" charset="-120"/>
               </a:rPr>
-              <a:t>我的救主  我的救贖</a:t>
-            </a:r>
-            <a:endParaRPr lang="en-US" altLang="zh-TW" sz="5400" b="1" dirty="0">
+              <a:t> </a:t>
+            </a:r>
+            <a:r>
+              <a:rPr lang="en-US" sz="4400" b="1" dirty="0">
+                <a:solidFill>
+                  <a:srgbClr val="000066"/>
+                </a:solidFill>
+                <a:effectLst/>
+                <a:latin typeface="Microsoft JhengHei" panose="020B0604030504040204" pitchFamily="34" charset="-120"/>
+                <a:ea typeface="Microsoft JhengHei" panose="020B0604030504040204" pitchFamily="34" charset="-120"/>
+              </a:rPr>
+              <a:t>)</a:t>
+            </a:r>
+            <a:endParaRPr lang="vi-VN" sz="4400" b="1" dirty="0">
               <a:solidFill>
                 <a:srgbClr val="000066"/>
               </a:solidFill>
-              <a:latin typeface="微軟正黑體" pitchFamily="34" charset="-120"/>
-              <a:ea typeface="微軟正黑體" pitchFamily="34" charset="-120"/>
+              <a:effectLst/>
+              <a:ea typeface="Microsoft JhengHei" panose="020B0604030504040204" pitchFamily="34" charset="-120"/>
             </a:endParaRPr>
           </a:p>
-          <a:p>
-            <a:pPr algn="ctr">
-              <a:buNone/>
-            </a:pPr>
-            <a:r>
-              <a:rPr lang="zh-TW" altLang="en-US" sz="5400" b="1" dirty="0">
-                <a:solidFill>
-                  <a:srgbClr val="000066"/>
-                </a:solidFill>
-                <a:latin typeface="微軟正黑體" pitchFamily="34" charset="-120"/>
-                <a:ea typeface="微軟正黑體" pitchFamily="34" charset="-120"/>
-              </a:rPr>
-              <a:t>榮耀尊貴  能力權柄歸</a:t>
-            </a:r>
-            <a:r>
-              <a:rPr lang="zh-TW" altLang="en-US" sz="5400" b="1" dirty="0" smtClean="0">
-                <a:solidFill>
-                  <a:srgbClr val="000066"/>
-                </a:solidFill>
-                <a:latin typeface="微軟正黑體" pitchFamily="34" charset="-120"/>
-                <a:ea typeface="微軟正黑體" pitchFamily="34" charset="-120"/>
-              </a:rPr>
-              <a:t>於</a:t>
-            </a:r>
-            <a:r>
-              <a:rPr lang="zh-CN" altLang="en-US" sz="5400" b="1" dirty="0">
-                <a:solidFill>
-                  <a:srgbClr val="000066"/>
-                </a:solidFill>
-                <a:latin typeface="微軟正黑體" pitchFamily="34" charset="-120"/>
-                <a:ea typeface="微軟正黑體" pitchFamily="34" charset="-120"/>
-              </a:rPr>
-              <a:t>袮</a:t>
-            </a:r>
-            <a:endParaRPr lang="en-US" altLang="zh-TW" sz="5400" b="1" dirty="0">
-              <a:solidFill>
-                <a:srgbClr val="000066"/>
-              </a:solidFill>
-              <a:latin typeface="微軟正黑體" pitchFamily="34" charset="-120"/>
-              <a:ea typeface="微軟正黑體" pitchFamily="34" charset="-120"/>
-            </a:endParaRPr>
-          </a:p>
-          <a:p>
-            <a:pPr algn="ctr">
-              <a:buNone/>
-            </a:pPr>
-            <a:r>
-              <a:rPr lang="zh-CN" altLang="en-US" sz="5400" b="1" dirty="0">
-                <a:solidFill>
-                  <a:srgbClr val="000066"/>
-                </a:solidFill>
-                <a:latin typeface="微軟正黑體" pitchFamily="34" charset="-120"/>
-                <a:ea typeface="微軟正黑體" pitchFamily="34" charset="-120"/>
-              </a:rPr>
-              <a:t>袮</a:t>
-            </a:r>
-            <a:r>
-              <a:rPr lang="zh-TW" altLang="en-US" sz="5400" b="1" dirty="0" smtClean="0">
-                <a:solidFill>
-                  <a:srgbClr val="000066"/>
-                </a:solidFill>
-                <a:latin typeface="微軟正黑體" pitchFamily="34" charset="-120"/>
-                <a:ea typeface="微軟正黑體" pitchFamily="34" charset="-120"/>
-              </a:rPr>
-              <a:t>是</a:t>
-            </a:r>
-            <a:r>
-              <a:rPr lang="zh-TW" altLang="en-US" sz="5400" b="1" dirty="0">
-                <a:solidFill>
-                  <a:srgbClr val="000066"/>
-                </a:solidFill>
-                <a:latin typeface="微軟正黑體" pitchFamily="34" charset="-120"/>
-                <a:ea typeface="微軟正黑體" pitchFamily="34" charset="-120"/>
-              </a:rPr>
-              <a:t>配</a:t>
-            </a:r>
-            <a:r>
-              <a:rPr lang="zh-TW" altLang="en-US" sz="5400" b="1" dirty="0" smtClean="0">
-                <a:solidFill>
-                  <a:srgbClr val="000066"/>
-                </a:solidFill>
-                <a:latin typeface="微軟正黑體" pitchFamily="34" charset="-120"/>
-                <a:ea typeface="微軟正黑體" pitchFamily="34" charset="-120"/>
-              </a:rPr>
-              <a:t>得  </a:t>
-            </a:r>
-            <a:r>
-              <a:rPr lang="zh-CN" altLang="en-US" sz="5400" b="1" dirty="0" smtClean="0">
-                <a:solidFill>
-                  <a:srgbClr val="000066"/>
-                </a:solidFill>
-                <a:latin typeface="微軟正黑體" pitchFamily="34" charset="-120"/>
-                <a:ea typeface="微軟正黑體" pitchFamily="34" charset="-120"/>
-              </a:rPr>
-              <a:t>袮</a:t>
-            </a:r>
-            <a:r>
-              <a:rPr lang="zh-TW" altLang="en-US" sz="5400" b="1" dirty="0" smtClean="0">
-                <a:solidFill>
-                  <a:srgbClr val="000066"/>
-                </a:solidFill>
-                <a:latin typeface="微軟正黑體" pitchFamily="34" charset="-120"/>
-                <a:ea typeface="微軟正黑體" pitchFamily="34" charset="-120"/>
-              </a:rPr>
-              <a:t>是</a:t>
-            </a:r>
-            <a:r>
-              <a:rPr lang="zh-TW" altLang="en-US" sz="5400" b="1" dirty="0">
-                <a:solidFill>
-                  <a:srgbClr val="000066"/>
-                </a:solidFill>
-                <a:latin typeface="微軟正黑體" pitchFamily="34" charset="-120"/>
-                <a:ea typeface="微軟正黑體" pitchFamily="34" charset="-120"/>
-              </a:rPr>
-              <a:t>配得</a:t>
-            </a:r>
-            <a:endParaRPr lang="en-US" altLang="zh-TW" sz="5400" b="1" dirty="0">
-              <a:solidFill>
-                <a:srgbClr val="000066"/>
-              </a:solidFill>
-              <a:latin typeface="微軟正黑體" pitchFamily="34" charset="-120"/>
-              <a:ea typeface="微軟正黑體" pitchFamily="34" charset="-120"/>
-            </a:endParaRPr>
-          </a:p>
-          <a:p>
-            <a:pPr algn="ctr">
-              <a:buNone/>
-            </a:pPr>
-            <a:r>
-              <a:rPr lang="zh-CN" altLang="en-US" sz="5400" b="1" dirty="0">
-                <a:solidFill>
-                  <a:srgbClr val="000066"/>
-                </a:solidFill>
-                <a:latin typeface="微軟正黑體" pitchFamily="34" charset="-120"/>
-                <a:ea typeface="微軟正黑體" pitchFamily="34" charset="-120"/>
-              </a:rPr>
-              <a:t>袮</a:t>
-            </a:r>
-            <a:r>
-              <a:rPr lang="zh-TW" altLang="en-US" sz="5400" b="1" dirty="0" smtClean="0">
-                <a:solidFill>
-                  <a:srgbClr val="000066"/>
-                </a:solidFill>
-                <a:latin typeface="微軟正黑體" pitchFamily="34" charset="-120"/>
-                <a:ea typeface="微軟正黑體" pitchFamily="34" charset="-120"/>
-              </a:rPr>
-              <a:t>是</a:t>
-            </a:r>
-            <a:r>
-              <a:rPr lang="zh-TW" altLang="en-US" sz="5400" b="1" dirty="0">
-                <a:solidFill>
-                  <a:srgbClr val="000066"/>
-                </a:solidFill>
-                <a:latin typeface="微軟正黑體" pitchFamily="34" charset="-120"/>
-                <a:ea typeface="微軟正黑體" pitchFamily="34" charset="-120"/>
-              </a:rPr>
-              <a:t>配得我的敬拜</a:t>
-            </a:r>
-            <a:endParaRPr lang="zh-TW" altLang="en-US" sz="5400" b="1" dirty="0">
-              <a:solidFill>
-                <a:srgbClr val="000066"/>
-              </a:solidFill>
-              <a:latin typeface="微軟正黑體" pitchFamily="34" charset="-120"/>
-              <a:ea typeface="微軟正黑體" pitchFamily="34" charset="-120"/>
-            </a:endParaRPr>
-          </a:p>
         </p:txBody>
       </p:sp>
     </p:spTree>
+    <p:extLst>
+      <p:ext uri="{BB962C8B-B14F-4D97-AF65-F5344CB8AC3E}">
+        <p14:creationId xmlns:p14="http://schemas.microsoft.com/office/powerpoint/2010/main" val="1070231700"/>
+      </p:ext>
+    </p:extLst>
   </p:cSld>
   <p:clrMapOvr>
     <a:masterClrMapping/>
@@ -3680,30 +3369,40 @@
       </p:grpSpPr>
       <p:sp>
         <p:nvSpPr>
-          <p:cNvPr id="4" name="標題 3"/>
-          <p:cNvSpPr>
-            <a:spLocks noGrp="1"/>
-          </p:cNvSpPr>
-          <p:nvPr>
-            <p:ph type="title"/>
-          </p:nvPr>
-        </p:nvSpPr>
-        <p:spPr/>
-        <p:txBody>
-          <a:bodyPr/>
-          <a:lstStyle/>
-          <a:p>
-            <a:r>
-              <a:rPr lang="zh-CN" altLang="en-US" b="1" dirty="0" smtClean="0">
+          <p:cNvPr id="5" name="內容版面配置區 4"/>
+          <p:cNvSpPr>
+            <a:spLocks noGrp="1"/>
+          </p:cNvSpPr>
+          <p:nvPr>
+            <p:ph idx="1"/>
+          </p:nvPr>
+        </p:nvSpPr>
+        <p:spPr>
+          <a:xfrm>
+            <a:off x="0" y="2084851"/>
+            <a:ext cx="12192000" cy="2404863"/>
+          </a:xfrm>
+        </p:spPr>
+        <p:txBody>
+          <a:bodyPr anchor="ctr">
+            <a:normAutofit/>
+          </a:bodyPr>
+          <a:lstStyle/>
+          <a:p>
+            <a:pPr algn="ctr">
+              <a:buNone/>
+            </a:pPr>
+            <a:r>
+              <a:rPr lang="zh-TW" altLang="en-US" sz="6400" b="1" dirty="0">
                 <a:solidFill>
                   <a:srgbClr val="000066"/>
                 </a:solidFill>
                 <a:latin typeface="微軟正黑體" pitchFamily="34" charset="-120"/>
                 <a:ea typeface="微軟正黑體" pitchFamily="34" charset="-120"/>
               </a:rPr>
-              <a:t>前來敬拜</a:t>
-            </a:r>
-            <a:endParaRPr lang="zh-TW" altLang="en-US" b="1" dirty="0">
+              <a:t>哈利路亞   哈利路亞</a:t>
+            </a:r>
+            <a:endParaRPr lang="en-US" altLang="zh-TW" sz="6400" b="1" dirty="0">
               <a:solidFill>
                 <a:srgbClr val="000066"/>
               </a:solidFill>
@@ -3711,44 +3410,21 @@
               <a:ea typeface="微軟正黑體" pitchFamily="34" charset="-120"/>
             </a:endParaRPr>
           </a:p>
-        </p:txBody>
-      </p:sp>
-      <p:sp>
-        <p:nvSpPr>
-          <p:cNvPr id="5" name="內容版面配置區 4"/>
-          <p:cNvSpPr>
-            <a:spLocks noGrp="1"/>
-          </p:cNvSpPr>
-          <p:nvPr>
-            <p:ph idx="1"/>
-          </p:nvPr>
-        </p:nvSpPr>
-        <p:spPr>
-          <a:xfrm>
-            <a:off x="1981200" y="1600200"/>
-            <a:ext cx="8229600" cy="5257800"/>
-          </a:xfrm>
-        </p:spPr>
-        <p:txBody>
-          <a:bodyPr>
-            <a:normAutofit/>
-          </a:bodyPr>
-          <a:lstStyle/>
           <a:p>
             <a:pPr algn="ctr">
               <a:buNone/>
             </a:pPr>
             <a:r>
-              <a:rPr lang="zh-TW" altLang="en-US" sz="5400" b="1" dirty="0">
+              <a:rPr lang="zh-TW" altLang="en-US" sz="6400" b="1" dirty="0">
                 <a:solidFill>
                   <a:srgbClr val="000066"/>
                 </a:solidFill>
                 <a:latin typeface="微軟正黑體" pitchFamily="34" charset="-120"/>
                 <a:ea typeface="微軟正黑體" pitchFamily="34" charset="-120"/>
               </a:rPr>
-              <a:t>榮耀尊貴  美麗無比</a:t>
-            </a:r>
-            <a:endParaRPr lang="en-US" altLang="zh-TW" sz="5400" b="1" dirty="0">
+              <a:t>大聲宣告主榮耀降臨</a:t>
+            </a:r>
+            <a:endParaRPr lang="zh-TW" altLang="en-US" sz="6400" b="1" dirty="0">
               <a:solidFill>
                 <a:srgbClr val="000066"/>
               </a:solidFill>
@@ -3756,21 +3432,161 @@
               <a:ea typeface="微軟正黑體" pitchFamily="34" charset="-120"/>
             </a:endParaRPr>
           </a:p>
+        </p:txBody>
+      </p:sp>
+      <p:sp>
+        <p:nvSpPr>
+          <p:cNvPr id="3" name="TextBox 2"/>
+          <p:cNvSpPr txBox="1"/>
+          <p:nvPr/>
+        </p:nvSpPr>
+        <p:spPr>
+          <a:xfrm>
+            <a:off x="178" y="5373218"/>
+            <a:ext cx="12191823" cy="769441"/>
+          </a:xfrm>
+          <a:prstGeom prst="rect">
+            <a:avLst/>
+          </a:prstGeom>
+          <a:noFill/>
+        </p:spPr>
+        <p:txBody>
+          <a:bodyPr wrap="square" rtlCol="0" anchor="ctr">
+            <a:spAutoFit/>
+          </a:bodyPr>
+          <a:lstStyle/>
+          <a:p>
+            <a:pPr algn="ctr"/>
+            <a:r>
+              <a:rPr lang="en-US" sz="4400" b="1" dirty="0">
+                <a:solidFill>
+                  <a:srgbClr val="000066"/>
+                </a:solidFill>
+                <a:effectLst/>
+                <a:latin typeface="Microsoft JhengHei" panose="020B0604030504040204" pitchFamily="34" charset="-120"/>
+                <a:ea typeface="Microsoft JhengHei" panose="020B0604030504040204" pitchFamily="34" charset="-120"/>
+              </a:rPr>
+              <a:t>( </a:t>
+            </a:r>
+            <a:r>
+              <a:rPr lang="zh-CN" altLang="en-US" sz="4400" b="1" dirty="0">
+                <a:solidFill>
+                  <a:srgbClr val="000066"/>
+                </a:solidFill>
+                <a:effectLst/>
+                <a:latin typeface="Microsoft JhengHei" panose="020B0604030504040204" pitchFamily="34" charset="-120"/>
+                <a:ea typeface="Microsoft JhengHei" panose="020B0604030504040204" pitchFamily="34" charset="-120"/>
+              </a:rPr>
+              <a:t>正</a:t>
+            </a:r>
+            <a:r>
+              <a:rPr lang="en-US" sz="4400" b="1" dirty="0">
+                <a:solidFill>
+                  <a:srgbClr val="000066"/>
+                </a:solidFill>
+                <a:effectLst/>
+                <a:latin typeface="Microsoft JhengHei" panose="020B0604030504040204" pitchFamily="34" charset="-120"/>
+                <a:ea typeface="Microsoft JhengHei" panose="020B0604030504040204" pitchFamily="34" charset="-120"/>
+              </a:rPr>
+              <a:t> </a:t>
+            </a:r>
+            <a:r>
+              <a:rPr lang="en-US" sz="4400" b="1" dirty="0">
+                <a:solidFill>
+                  <a:srgbClr val="000066"/>
+                </a:solidFill>
+                <a:effectLst/>
+                <a:latin typeface="Microsoft JhengHei" panose="020B0604030504040204" pitchFamily="34" charset="-120"/>
+                <a:ea typeface="Microsoft JhengHei" panose="020B0604030504040204" pitchFamily="34" charset="-120"/>
+              </a:rPr>
+              <a:t>)</a:t>
+            </a:r>
+            <a:endParaRPr lang="vi-VN" sz="4400" b="1" dirty="0">
+              <a:solidFill>
+                <a:srgbClr val="000066"/>
+              </a:solidFill>
+              <a:effectLst/>
+              <a:ea typeface="Microsoft JhengHei" panose="020B0604030504040204" pitchFamily="34" charset="-120"/>
+            </a:endParaRPr>
+          </a:p>
+        </p:txBody>
+      </p:sp>
+    </p:spTree>
+    <p:extLst>
+      <p:ext uri="{BB962C8B-B14F-4D97-AF65-F5344CB8AC3E}">
+        <p14:creationId xmlns:p14="http://schemas.microsoft.com/office/powerpoint/2010/main" val="3170901746"/>
+      </p:ext>
+    </p:extLst>
+  </p:cSld>
+  <p:clrMapOvr>
+    <a:masterClrMapping/>
+  </p:clrMapOvr>
+</p:sld>
+</file>
+
+<file path=ppt/slides/slide4.xml><?xml version="1.0" encoding="utf-8"?>
+<p:sld xmlns:a="http://schemas.openxmlformats.org/drawingml/2006/main" xmlns:r="http://schemas.openxmlformats.org/officeDocument/2006/relationships" xmlns:p="http://schemas.openxmlformats.org/presentationml/2006/main">
+  <p:cSld>
+    <p:spTree>
+      <p:nvGrpSpPr>
+        <p:cNvPr id="1" name=""/>
+        <p:cNvGrpSpPr/>
+        <p:nvPr/>
+      </p:nvGrpSpPr>
+      <p:grpSpPr>
+        <a:xfrm>
+          <a:off x="0" y="0"/>
+          <a:ext cx="0" cy="0"/>
+          <a:chOff x="0" y="0"/>
+          <a:chExt cx="0" cy="0"/>
+        </a:xfrm>
+      </p:grpSpPr>
+      <p:sp>
+        <p:nvSpPr>
+          <p:cNvPr id="5" name="內容版面配置區 4"/>
+          <p:cNvSpPr>
+            <a:spLocks noGrp="1"/>
+          </p:cNvSpPr>
+          <p:nvPr>
+            <p:ph idx="1"/>
+          </p:nvPr>
+        </p:nvSpPr>
+        <p:spPr>
+          <a:xfrm>
+            <a:off x="0" y="2084851"/>
+            <a:ext cx="12192000" cy="2404863"/>
+          </a:xfrm>
+        </p:spPr>
+        <p:txBody>
+          <a:bodyPr anchor="ctr">
+            <a:normAutofit/>
+          </a:bodyPr>
+          <a:lstStyle/>
           <a:p>
             <a:pPr algn="ctr">
               <a:buNone/>
             </a:pPr>
             <a:r>
-              <a:rPr lang="zh-TW" altLang="en-US" sz="5400" b="1" dirty="0">
+              <a:rPr lang="zh-TW" altLang="en-US" sz="6400" b="1" dirty="0">
                 <a:solidFill>
                   <a:srgbClr val="000066"/>
                 </a:solidFill>
                 <a:latin typeface="微軟正黑體" pitchFamily="34" charset="-120"/>
                 <a:ea typeface="微軟正黑體" pitchFamily="34" charset="-120"/>
               </a:rPr>
-              <a:t>神的兒子  耶穌我的主</a:t>
-            </a:r>
-            <a:endParaRPr lang="en-US" altLang="zh-TW" sz="5400" b="1" dirty="0">
+              <a:t>榮耀尊貴   能力權柄歸於</a:t>
+            </a:r>
+            <a:r>
+              <a:rPr lang="zh-CN" altLang="en-US" sz="6400" b="1" dirty="0">
+                <a:solidFill>
+                  <a:srgbClr val="000066"/>
+                </a:solidFill>
+                <a:latin typeface="微軟正黑體" pitchFamily="34" charset="-120"/>
+                <a:ea typeface="微軟正黑體" pitchFamily="34" charset="-120"/>
+              </a:rPr>
+              <a:t>袮</a:t>
+            </a:r>
+            <a:endParaRPr lang="en-US" altLang="zh-TW" sz="6400" b="1" dirty="0">
               <a:solidFill>
                 <a:srgbClr val="000066"/>
               </a:solidFill>
@@ -3783,16 +3599,26 @@
               <a:buNone/>
             </a:pPr>
             <a:r>
-              <a:rPr lang="zh-TW" altLang="en-US" sz="5400" b="1" dirty="0">
+              <a:rPr lang="zh-CN" altLang="en-US" sz="6400" b="1" dirty="0">
                 <a:solidFill>
                   <a:srgbClr val="000066"/>
                 </a:solidFill>
                 <a:latin typeface="微軟正黑體" pitchFamily="34" charset="-120"/>
                 <a:ea typeface="微軟正黑體" pitchFamily="34" charset="-120"/>
               </a:rPr>
-              <a:t>榮耀尊貴  美麗無比</a:t>
-            </a:r>
-            <a:endParaRPr lang="en-US" altLang="zh-TW" sz="5400" b="1" dirty="0">
+              <a:t>袮</a:t>
+            </a:r>
+            <a:r>
+              <a:rPr lang="zh-TW" altLang="en-US" sz="6400" b="1" dirty="0">
+                <a:solidFill>
+                  <a:srgbClr val="000066"/>
+                </a:solidFill>
+                <a:latin typeface="微軟正黑體" pitchFamily="34" charset="-120"/>
+                <a:ea typeface="微軟正黑體" pitchFamily="34" charset="-120"/>
+              </a:rPr>
+              <a:t>是我的救主   我的救贖</a:t>
+            </a:r>
+            <a:endParaRPr lang="en-US" altLang="zh-TW" sz="6400" b="1" dirty="0">
               <a:solidFill>
                 <a:srgbClr val="000066"/>
               </a:solidFill>
@@ -3800,24 +3626,652 @@
               <a:ea typeface="微軟正黑體" pitchFamily="34" charset="-120"/>
             </a:endParaRPr>
           </a:p>
+        </p:txBody>
+      </p:sp>
+      <p:sp>
+        <p:nvSpPr>
+          <p:cNvPr id="3" name="TextBox 2"/>
+          <p:cNvSpPr txBox="1"/>
+          <p:nvPr/>
+        </p:nvSpPr>
+        <p:spPr>
+          <a:xfrm>
+            <a:off x="178" y="5373218"/>
+            <a:ext cx="12191823" cy="769441"/>
+          </a:xfrm>
+          <a:prstGeom prst="rect">
+            <a:avLst/>
+          </a:prstGeom>
+          <a:noFill/>
+        </p:spPr>
+        <p:txBody>
+          <a:bodyPr wrap="square" rtlCol="0" anchor="ctr">
+            <a:spAutoFit/>
+          </a:bodyPr>
+          <a:lstStyle/>
+          <a:p>
+            <a:pPr algn="ctr"/>
+            <a:r>
+              <a:rPr lang="en-US" sz="4400" b="1" dirty="0">
+                <a:solidFill>
+                  <a:srgbClr val="000066"/>
+                </a:solidFill>
+                <a:effectLst/>
+                <a:latin typeface="Microsoft JhengHei" panose="020B0604030504040204" pitchFamily="34" charset="-120"/>
+                <a:ea typeface="Microsoft JhengHei" panose="020B0604030504040204" pitchFamily="34" charset="-120"/>
+              </a:rPr>
+              <a:t>( </a:t>
+            </a:r>
+            <a:r>
+              <a:rPr lang="zh-CN" altLang="en-US" sz="4400" b="1" dirty="0">
+                <a:solidFill>
+                  <a:srgbClr val="000066"/>
+                </a:solidFill>
+                <a:effectLst/>
+                <a:latin typeface="Microsoft JhengHei" panose="020B0604030504040204" pitchFamily="34" charset="-120"/>
+                <a:ea typeface="Microsoft JhengHei" panose="020B0604030504040204" pitchFamily="34" charset="-120"/>
+              </a:rPr>
+              <a:t>副</a:t>
+            </a:r>
+            <a:r>
+              <a:rPr lang="en-US" sz="4400" b="1" dirty="0">
+                <a:solidFill>
+                  <a:srgbClr val="000066"/>
+                </a:solidFill>
+                <a:effectLst/>
+                <a:latin typeface="Microsoft JhengHei" panose="020B0604030504040204" pitchFamily="34" charset="-120"/>
+                <a:ea typeface="Microsoft JhengHei" panose="020B0604030504040204" pitchFamily="34" charset="-120"/>
+              </a:rPr>
+              <a:t> </a:t>
+            </a:r>
+            <a:r>
+              <a:rPr lang="en-US" sz="4400" b="1" dirty="0">
+                <a:solidFill>
+                  <a:srgbClr val="000066"/>
+                </a:solidFill>
+                <a:effectLst/>
+                <a:latin typeface="Microsoft JhengHei" panose="020B0604030504040204" pitchFamily="34" charset="-120"/>
+                <a:ea typeface="Microsoft JhengHei" panose="020B0604030504040204" pitchFamily="34" charset="-120"/>
+              </a:rPr>
+              <a:t>)</a:t>
+            </a:r>
+            <a:endParaRPr lang="vi-VN" sz="4400" b="1" dirty="0">
+              <a:solidFill>
+                <a:srgbClr val="000066"/>
+              </a:solidFill>
+              <a:effectLst/>
+              <a:ea typeface="Microsoft JhengHei" panose="020B0604030504040204" pitchFamily="34" charset="-120"/>
+            </a:endParaRPr>
+          </a:p>
+        </p:txBody>
+      </p:sp>
+    </p:spTree>
+    <p:extLst>
+      <p:ext uri="{BB962C8B-B14F-4D97-AF65-F5344CB8AC3E}">
+        <p14:creationId xmlns:p14="http://schemas.microsoft.com/office/powerpoint/2010/main" val="437619408"/>
+      </p:ext>
+    </p:extLst>
+  </p:cSld>
+  <p:clrMapOvr>
+    <a:masterClrMapping/>
+  </p:clrMapOvr>
+</p:sld>
+</file>
+
+<file path=ppt/slides/slide5.xml><?xml version="1.0" encoding="utf-8"?>
+<p:sld xmlns:a="http://schemas.openxmlformats.org/drawingml/2006/main" xmlns:r="http://schemas.openxmlformats.org/officeDocument/2006/relationships" xmlns:p="http://schemas.openxmlformats.org/presentationml/2006/main">
+  <p:cSld>
+    <p:spTree>
+      <p:nvGrpSpPr>
+        <p:cNvPr id="1" name=""/>
+        <p:cNvGrpSpPr/>
+        <p:nvPr/>
+      </p:nvGrpSpPr>
+      <p:grpSpPr>
+        <a:xfrm>
+          <a:off x="0" y="0"/>
+          <a:ext cx="0" cy="0"/>
+          <a:chOff x="0" y="0"/>
+          <a:chExt cx="0" cy="0"/>
+        </a:xfrm>
+      </p:grpSpPr>
+      <p:sp>
+        <p:nvSpPr>
+          <p:cNvPr id="5" name="內容版面配置區 4"/>
+          <p:cNvSpPr>
+            <a:spLocks noGrp="1"/>
+          </p:cNvSpPr>
+          <p:nvPr>
+            <p:ph idx="1"/>
+          </p:nvPr>
+        </p:nvSpPr>
+        <p:spPr>
+          <a:xfrm>
+            <a:off x="0" y="2084851"/>
+            <a:ext cx="12192000" cy="2404863"/>
+          </a:xfrm>
+        </p:spPr>
+        <p:txBody>
+          <a:bodyPr anchor="ctr">
+            <a:normAutofit/>
+          </a:bodyPr>
+          <a:lstStyle/>
           <a:p>
             <a:pPr algn="ctr">
               <a:buNone/>
             </a:pPr>
             <a:r>
-              <a:rPr lang="zh-TW" altLang="en-US" sz="5400" b="1" dirty="0">
+              <a:rPr lang="zh-TW" altLang="en-US" sz="6400" b="1" dirty="0">
                 <a:solidFill>
                   <a:srgbClr val="000066"/>
                 </a:solidFill>
                 <a:latin typeface="微軟正黑體" pitchFamily="34" charset="-120"/>
                 <a:ea typeface="微軟正黑體" pitchFamily="34" charset="-120"/>
               </a:rPr>
-              <a:t>神的兒子  耶穌我的主</a:t>
-            </a:r>
+              <a:t>榮耀尊貴</a:t>
+            </a:r>
+            <a:endParaRPr lang="en-US" altLang="zh-TW" sz="6400" b="1" dirty="0">
+              <a:solidFill>
+                <a:srgbClr val="000066"/>
+              </a:solidFill>
+              <a:latin typeface="微軟正黑體" pitchFamily="34" charset="-120"/>
+              <a:ea typeface="微軟正黑體" pitchFamily="34" charset="-120"/>
+            </a:endParaRPr>
+          </a:p>
+          <a:p>
+            <a:pPr algn="ctr">
+              <a:buNone/>
+            </a:pPr>
+            <a:r>
+              <a:rPr lang="zh-TW" altLang="en-US" sz="6400" b="1" dirty="0">
+                <a:solidFill>
+                  <a:srgbClr val="000066"/>
+                </a:solidFill>
+                <a:latin typeface="微軟正黑體" pitchFamily="34" charset="-120"/>
+                <a:ea typeface="微軟正黑體" pitchFamily="34" charset="-120"/>
+              </a:rPr>
+              <a:t>能力權柄歸於</a:t>
+            </a:r>
+            <a:r>
+              <a:rPr lang="zh-CN" altLang="en-US" sz="6400" b="1" dirty="0">
+                <a:solidFill>
+                  <a:srgbClr val="000066"/>
+                </a:solidFill>
+                <a:latin typeface="微軟正黑體" pitchFamily="34" charset="-120"/>
+                <a:ea typeface="微軟正黑體" pitchFamily="34" charset="-120"/>
+              </a:rPr>
+              <a:t>袮</a:t>
+            </a:r>
+            <a:endParaRPr lang="en-US" altLang="zh-TW" sz="6400" b="1" dirty="0">
+              <a:solidFill>
+                <a:srgbClr val="000066"/>
+              </a:solidFill>
+              <a:latin typeface="微軟正黑體" pitchFamily="34" charset="-120"/>
+              <a:ea typeface="微軟正黑體" pitchFamily="34" charset="-120"/>
+            </a:endParaRPr>
+          </a:p>
+        </p:txBody>
+      </p:sp>
+      <p:sp>
+        <p:nvSpPr>
+          <p:cNvPr id="3" name="TextBox 2"/>
+          <p:cNvSpPr txBox="1"/>
+          <p:nvPr/>
+        </p:nvSpPr>
+        <p:spPr>
+          <a:xfrm>
+            <a:off x="178" y="5373218"/>
+            <a:ext cx="12191823" cy="769441"/>
+          </a:xfrm>
+          <a:prstGeom prst="rect">
+            <a:avLst/>
+          </a:prstGeom>
+          <a:noFill/>
+        </p:spPr>
+        <p:txBody>
+          <a:bodyPr wrap="square" rtlCol="0" anchor="ctr">
+            <a:spAutoFit/>
+          </a:bodyPr>
+          <a:lstStyle/>
+          <a:p>
+            <a:pPr algn="ctr"/>
+            <a:r>
+              <a:rPr lang="en-US" sz="4400" b="1" dirty="0">
+                <a:solidFill>
+                  <a:srgbClr val="000066"/>
+                </a:solidFill>
+                <a:effectLst/>
+                <a:latin typeface="Microsoft JhengHei" panose="020B0604030504040204" pitchFamily="34" charset="-120"/>
+                <a:ea typeface="Microsoft JhengHei" panose="020B0604030504040204" pitchFamily="34" charset="-120"/>
+              </a:rPr>
+              <a:t>( </a:t>
+            </a:r>
+            <a:r>
+              <a:rPr lang="zh-CN" altLang="en-US" sz="4400" b="1" dirty="0">
+                <a:solidFill>
+                  <a:srgbClr val="000066"/>
+                </a:solidFill>
+                <a:effectLst/>
+                <a:latin typeface="Microsoft JhengHei" panose="020B0604030504040204" pitchFamily="34" charset="-120"/>
+                <a:ea typeface="Microsoft JhengHei" panose="020B0604030504040204" pitchFamily="34" charset="-120"/>
+              </a:rPr>
+              <a:t>副</a:t>
+            </a:r>
+            <a:r>
+              <a:rPr lang="en-US" sz="4400" b="1" dirty="0">
+                <a:solidFill>
+                  <a:srgbClr val="000066"/>
+                </a:solidFill>
+                <a:effectLst/>
+                <a:latin typeface="Microsoft JhengHei" panose="020B0604030504040204" pitchFamily="34" charset="-120"/>
+                <a:ea typeface="Microsoft JhengHei" panose="020B0604030504040204" pitchFamily="34" charset="-120"/>
+              </a:rPr>
+              <a:t> </a:t>
+            </a:r>
+            <a:r>
+              <a:rPr lang="en-US" sz="4400" b="1" dirty="0">
+                <a:solidFill>
+                  <a:srgbClr val="000066"/>
+                </a:solidFill>
+                <a:effectLst/>
+                <a:latin typeface="Microsoft JhengHei" panose="020B0604030504040204" pitchFamily="34" charset="-120"/>
+                <a:ea typeface="Microsoft JhengHei" panose="020B0604030504040204" pitchFamily="34" charset="-120"/>
+              </a:rPr>
+              <a:t>)</a:t>
+            </a:r>
+            <a:endParaRPr lang="vi-VN" sz="4400" b="1" dirty="0">
+              <a:solidFill>
+                <a:srgbClr val="000066"/>
+              </a:solidFill>
+              <a:effectLst/>
+              <a:ea typeface="Microsoft JhengHei" panose="020B0604030504040204" pitchFamily="34" charset="-120"/>
+            </a:endParaRPr>
           </a:p>
         </p:txBody>
       </p:sp>
     </p:spTree>
+    <p:extLst>
+      <p:ext uri="{BB962C8B-B14F-4D97-AF65-F5344CB8AC3E}">
+        <p14:creationId xmlns:p14="http://schemas.microsoft.com/office/powerpoint/2010/main" val="885527665"/>
+      </p:ext>
+    </p:extLst>
+  </p:cSld>
+  <p:clrMapOvr>
+    <a:masterClrMapping/>
+  </p:clrMapOvr>
+</p:sld>
+</file>
+
+<file path=ppt/slides/slide6.xml><?xml version="1.0" encoding="utf-8"?>
+<p:sld xmlns:a="http://schemas.openxmlformats.org/drawingml/2006/main" xmlns:r="http://schemas.openxmlformats.org/officeDocument/2006/relationships" xmlns:p="http://schemas.openxmlformats.org/presentationml/2006/main">
+  <p:cSld>
+    <p:spTree>
+      <p:nvGrpSpPr>
+        <p:cNvPr id="1" name=""/>
+        <p:cNvGrpSpPr/>
+        <p:nvPr/>
+      </p:nvGrpSpPr>
+      <p:grpSpPr>
+        <a:xfrm>
+          <a:off x="0" y="0"/>
+          <a:ext cx="0" cy="0"/>
+          <a:chOff x="0" y="0"/>
+          <a:chExt cx="0" cy="0"/>
+        </a:xfrm>
+      </p:grpSpPr>
+      <p:sp>
+        <p:nvSpPr>
+          <p:cNvPr id="5" name="內容版面配置區 4"/>
+          <p:cNvSpPr>
+            <a:spLocks noGrp="1"/>
+          </p:cNvSpPr>
+          <p:nvPr>
+            <p:ph idx="1"/>
+          </p:nvPr>
+        </p:nvSpPr>
+        <p:spPr>
+          <a:xfrm>
+            <a:off x="0" y="2084851"/>
+            <a:ext cx="12192000" cy="2404863"/>
+          </a:xfrm>
+        </p:spPr>
+        <p:txBody>
+          <a:bodyPr anchor="ctr">
+            <a:normAutofit/>
+          </a:bodyPr>
+          <a:lstStyle/>
+          <a:p>
+            <a:pPr algn="ctr">
+              <a:buNone/>
+            </a:pPr>
+            <a:r>
+              <a:rPr lang="zh-CN" altLang="en-US" sz="6400" b="1" dirty="0">
+                <a:solidFill>
+                  <a:srgbClr val="000066"/>
+                </a:solidFill>
+                <a:latin typeface="微軟正黑體" pitchFamily="34" charset="-120"/>
+                <a:ea typeface="微軟正黑體" pitchFamily="34" charset="-120"/>
+              </a:rPr>
+              <a:t>袮</a:t>
+            </a:r>
+            <a:r>
+              <a:rPr lang="zh-TW" altLang="en-US" sz="6400" b="1" dirty="0">
+                <a:solidFill>
+                  <a:srgbClr val="000066"/>
+                </a:solidFill>
+                <a:latin typeface="微軟正黑體" pitchFamily="34" charset="-120"/>
+                <a:ea typeface="微軟正黑體" pitchFamily="34" charset="-120"/>
+              </a:rPr>
+              <a:t>是配得  </a:t>
+            </a:r>
+            <a:r>
+              <a:rPr lang="zh-CN" altLang="en-US" sz="6400" b="1" dirty="0">
+                <a:solidFill>
+                  <a:srgbClr val="000066"/>
+                </a:solidFill>
+                <a:latin typeface="微軟正黑體" pitchFamily="34" charset="-120"/>
+                <a:ea typeface="微軟正黑體" pitchFamily="34" charset="-120"/>
+              </a:rPr>
+              <a:t>袮</a:t>
+            </a:r>
+            <a:r>
+              <a:rPr lang="zh-TW" altLang="en-US" sz="6400" b="1" dirty="0">
+                <a:solidFill>
+                  <a:srgbClr val="000066"/>
+                </a:solidFill>
+                <a:latin typeface="微軟正黑體" pitchFamily="34" charset="-120"/>
+                <a:ea typeface="微軟正黑體" pitchFamily="34" charset="-120"/>
+              </a:rPr>
+              <a:t>是配得</a:t>
+            </a:r>
+            <a:endParaRPr lang="en-US" altLang="zh-TW" sz="6400" b="1" dirty="0">
+              <a:solidFill>
+                <a:srgbClr val="000066"/>
+              </a:solidFill>
+              <a:latin typeface="微軟正黑體" pitchFamily="34" charset="-120"/>
+              <a:ea typeface="微軟正黑體" pitchFamily="34" charset="-120"/>
+            </a:endParaRPr>
+          </a:p>
+          <a:p>
+            <a:pPr algn="ctr">
+              <a:buNone/>
+            </a:pPr>
+            <a:r>
+              <a:rPr lang="zh-CN" altLang="en-US" sz="6400" b="1" dirty="0">
+                <a:solidFill>
+                  <a:srgbClr val="000066"/>
+                </a:solidFill>
+                <a:latin typeface="微軟正黑體" pitchFamily="34" charset="-120"/>
+                <a:ea typeface="微軟正黑體" pitchFamily="34" charset="-120"/>
+              </a:rPr>
+              <a:t>袮</a:t>
+            </a:r>
+            <a:r>
+              <a:rPr lang="zh-TW" altLang="en-US" sz="6400" b="1" dirty="0">
+                <a:solidFill>
+                  <a:srgbClr val="000066"/>
+                </a:solidFill>
+                <a:latin typeface="微軟正黑體" pitchFamily="34" charset="-120"/>
+                <a:ea typeface="微軟正黑體" pitchFamily="34" charset="-120"/>
+              </a:rPr>
+              <a:t>是配得我的敬拜</a:t>
+            </a:r>
+            <a:endParaRPr lang="zh-TW" altLang="en-US" sz="6400" b="1" dirty="0">
+              <a:solidFill>
+                <a:srgbClr val="000066"/>
+              </a:solidFill>
+              <a:latin typeface="微軟正黑體" pitchFamily="34" charset="-120"/>
+              <a:ea typeface="微軟正黑體" pitchFamily="34" charset="-120"/>
+            </a:endParaRPr>
+          </a:p>
+        </p:txBody>
+      </p:sp>
+      <p:sp>
+        <p:nvSpPr>
+          <p:cNvPr id="3" name="TextBox 2"/>
+          <p:cNvSpPr txBox="1"/>
+          <p:nvPr/>
+        </p:nvSpPr>
+        <p:spPr>
+          <a:xfrm>
+            <a:off x="178" y="5373218"/>
+            <a:ext cx="12191823" cy="769441"/>
+          </a:xfrm>
+          <a:prstGeom prst="rect">
+            <a:avLst/>
+          </a:prstGeom>
+          <a:noFill/>
+        </p:spPr>
+        <p:txBody>
+          <a:bodyPr wrap="square" rtlCol="0" anchor="ctr">
+            <a:spAutoFit/>
+          </a:bodyPr>
+          <a:lstStyle/>
+          <a:p>
+            <a:pPr algn="ctr"/>
+            <a:r>
+              <a:rPr lang="en-US" sz="4400" b="1" dirty="0">
+                <a:solidFill>
+                  <a:srgbClr val="000066"/>
+                </a:solidFill>
+                <a:effectLst/>
+                <a:latin typeface="Microsoft JhengHei" panose="020B0604030504040204" pitchFamily="34" charset="-120"/>
+                <a:ea typeface="Microsoft JhengHei" panose="020B0604030504040204" pitchFamily="34" charset="-120"/>
+              </a:rPr>
+              <a:t>( </a:t>
+            </a:r>
+            <a:r>
+              <a:rPr lang="zh-CN" altLang="en-US" sz="4400" b="1" dirty="0">
+                <a:solidFill>
+                  <a:srgbClr val="000066"/>
+                </a:solidFill>
+                <a:effectLst/>
+                <a:latin typeface="Microsoft JhengHei" panose="020B0604030504040204" pitchFamily="34" charset="-120"/>
+                <a:ea typeface="Microsoft JhengHei" panose="020B0604030504040204" pitchFamily="34" charset="-120"/>
+              </a:rPr>
+              <a:t>副</a:t>
+            </a:r>
+            <a:r>
+              <a:rPr lang="en-US" sz="4400" b="1" dirty="0">
+                <a:solidFill>
+                  <a:srgbClr val="000066"/>
+                </a:solidFill>
+                <a:effectLst/>
+                <a:latin typeface="Microsoft JhengHei" panose="020B0604030504040204" pitchFamily="34" charset="-120"/>
+                <a:ea typeface="Microsoft JhengHei" panose="020B0604030504040204" pitchFamily="34" charset="-120"/>
+              </a:rPr>
+              <a:t> </a:t>
+            </a:r>
+            <a:r>
+              <a:rPr lang="en-US" sz="4400" b="1" dirty="0">
+                <a:solidFill>
+                  <a:srgbClr val="000066"/>
+                </a:solidFill>
+                <a:effectLst/>
+                <a:latin typeface="Microsoft JhengHei" panose="020B0604030504040204" pitchFamily="34" charset="-120"/>
+                <a:ea typeface="Microsoft JhengHei" panose="020B0604030504040204" pitchFamily="34" charset="-120"/>
+              </a:rPr>
+              <a:t>)</a:t>
+            </a:r>
+            <a:endParaRPr lang="vi-VN" sz="4400" b="1" dirty="0">
+              <a:solidFill>
+                <a:srgbClr val="000066"/>
+              </a:solidFill>
+              <a:effectLst/>
+              <a:ea typeface="Microsoft JhengHei" panose="020B0604030504040204" pitchFamily="34" charset="-120"/>
+            </a:endParaRPr>
+          </a:p>
+        </p:txBody>
+      </p:sp>
+    </p:spTree>
+    <p:extLst>
+      <p:ext uri="{BB962C8B-B14F-4D97-AF65-F5344CB8AC3E}">
+        <p14:creationId xmlns:p14="http://schemas.microsoft.com/office/powerpoint/2010/main" val="1900251193"/>
+      </p:ext>
+    </p:extLst>
+  </p:cSld>
+  <p:clrMapOvr>
+    <a:masterClrMapping/>
+  </p:clrMapOvr>
+</p:sld>
+</file>
+
+<file path=ppt/slides/slide7.xml><?xml version="1.0" encoding="utf-8"?>
+<p:sld xmlns:a="http://schemas.openxmlformats.org/drawingml/2006/main" xmlns:r="http://schemas.openxmlformats.org/officeDocument/2006/relationships" xmlns:p="http://schemas.openxmlformats.org/presentationml/2006/main">
+  <p:cSld>
+    <p:spTree>
+      <p:nvGrpSpPr>
+        <p:cNvPr id="1" name=""/>
+        <p:cNvGrpSpPr/>
+        <p:nvPr/>
+      </p:nvGrpSpPr>
+      <p:grpSpPr>
+        <a:xfrm>
+          <a:off x="0" y="0"/>
+          <a:ext cx="0" cy="0"/>
+          <a:chOff x="0" y="0"/>
+          <a:chExt cx="0" cy="0"/>
+        </a:xfrm>
+      </p:grpSpPr>
+      <p:sp>
+        <p:nvSpPr>
+          <p:cNvPr id="5" name="內容版面配置區 4"/>
+          <p:cNvSpPr>
+            <a:spLocks noGrp="1"/>
+          </p:cNvSpPr>
+          <p:nvPr>
+            <p:ph idx="1"/>
+          </p:nvPr>
+        </p:nvSpPr>
+        <p:spPr>
+          <a:xfrm>
+            <a:off x="0" y="2084851"/>
+            <a:ext cx="12192000" cy="2404863"/>
+          </a:xfrm>
+        </p:spPr>
+        <p:txBody>
+          <a:bodyPr anchor="ctr">
+            <a:normAutofit/>
+          </a:bodyPr>
+          <a:lstStyle/>
+          <a:p>
+            <a:pPr algn="ctr">
+              <a:buNone/>
+            </a:pPr>
+            <a:r>
+              <a:rPr lang="zh-TW" altLang="en-US" sz="6400" b="1" dirty="0">
+                <a:solidFill>
+                  <a:srgbClr val="000066"/>
+                </a:solidFill>
+                <a:latin typeface="微軟正黑體" pitchFamily="34" charset="-120"/>
+                <a:ea typeface="微軟正黑體" pitchFamily="34" charset="-120"/>
+              </a:rPr>
+              <a:t>榮耀尊貴   美麗無比</a:t>
+            </a:r>
+            <a:endParaRPr lang="en-US" altLang="zh-TW" sz="6400" b="1" dirty="0">
+              <a:solidFill>
+                <a:srgbClr val="000066"/>
+              </a:solidFill>
+              <a:latin typeface="微軟正黑體" pitchFamily="34" charset="-120"/>
+              <a:ea typeface="微軟正黑體" pitchFamily="34" charset="-120"/>
+            </a:endParaRPr>
+          </a:p>
+          <a:p>
+            <a:pPr algn="ctr">
+              <a:buNone/>
+            </a:pPr>
+            <a:r>
+              <a:rPr lang="zh-TW" altLang="en-US" sz="6400" b="1" dirty="0">
+                <a:solidFill>
+                  <a:srgbClr val="000066"/>
+                </a:solidFill>
+                <a:latin typeface="微軟正黑體" pitchFamily="34" charset="-120"/>
+                <a:ea typeface="微軟正黑體" pitchFamily="34" charset="-120"/>
+              </a:rPr>
+              <a:t>神的兒子   耶穌我的主</a:t>
+            </a:r>
+            <a:endParaRPr lang="en-US" altLang="zh-TW" sz="6400" b="1" dirty="0">
+              <a:solidFill>
+                <a:srgbClr val="000066"/>
+              </a:solidFill>
+              <a:latin typeface="微軟正黑體" pitchFamily="34" charset="-120"/>
+              <a:ea typeface="微軟正黑體" pitchFamily="34" charset="-120"/>
+            </a:endParaRPr>
+          </a:p>
+        </p:txBody>
+      </p:sp>
+      <p:sp>
+        <p:nvSpPr>
+          <p:cNvPr id="3" name="TextBox 2"/>
+          <p:cNvSpPr txBox="1"/>
+          <p:nvPr/>
+        </p:nvSpPr>
+        <p:spPr>
+          <a:xfrm>
+            <a:off x="178" y="5373218"/>
+            <a:ext cx="12191823" cy="769441"/>
+          </a:xfrm>
+          <a:prstGeom prst="rect">
+            <a:avLst/>
+          </a:prstGeom>
+          <a:noFill/>
+        </p:spPr>
+        <p:txBody>
+          <a:bodyPr wrap="square" rtlCol="0" anchor="ctr">
+            <a:spAutoFit/>
+          </a:bodyPr>
+          <a:lstStyle/>
+          <a:p>
+            <a:pPr algn="ctr"/>
+            <a:r>
+              <a:rPr lang="en-US" sz="4400" b="1" dirty="0">
+                <a:solidFill>
+                  <a:srgbClr val="000066"/>
+                </a:solidFill>
+                <a:effectLst/>
+                <a:latin typeface="Microsoft JhengHei" panose="020B0604030504040204" pitchFamily="34" charset="-120"/>
+                <a:ea typeface="Microsoft JhengHei" panose="020B0604030504040204" pitchFamily="34" charset="-120"/>
+              </a:rPr>
+              <a:t>( </a:t>
+            </a:r>
+            <a:r>
+              <a:rPr lang="zh-CN" altLang="en-US" sz="4400" b="1" dirty="0">
+                <a:solidFill>
+                  <a:srgbClr val="000066"/>
+                </a:solidFill>
+                <a:effectLst/>
+                <a:latin typeface="Microsoft JhengHei" panose="020B0604030504040204" pitchFamily="34" charset="-120"/>
+                <a:ea typeface="Microsoft JhengHei" panose="020B0604030504040204" pitchFamily="34" charset="-120"/>
+              </a:rPr>
+              <a:t>橋</a:t>
+            </a:r>
+            <a:r>
+              <a:rPr lang="en-US" sz="4400" b="1" dirty="0">
+                <a:solidFill>
+                  <a:srgbClr val="000066"/>
+                </a:solidFill>
+                <a:effectLst/>
+                <a:latin typeface="Microsoft JhengHei" panose="020B0604030504040204" pitchFamily="34" charset="-120"/>
+                <a:ea typeface="Microsoft JhengHei" panose="020B0604030504040204" pitchFamily="34" charset="-120"/>
+              </a:rPr>
+              <a:t> )( x2 )</a:t>
+            </a:r>
+            <a:endParaRPr lang="vi-VN" sz="4400" b="1" dirty="0">
+              <a:solidFill>
+                <a:srgbClr val="000066"/>
+              </a:solidFill>
+              <a:effectLst/>
+              <a:ea typeface="Microsoft JhengHei" panose="020B0604030504040204" pitchFamily="34" charset="-120"/>
+            </a:endParaRPr>
+          </a:p>
+        </p:txBody>
+      </p:sp>
+    </p:spTree>
+    <p:extLst>
+      <p:ext uri="{BB962C8B-B14F-4D97-AF65-F5344CB8AC3E}">
+        <p14:creationId xmlns:p14="http://schemas.microsoft.com/office/powerpoint/2010/main" val="1583717539"/>
+      </p:ext>
+    </p:extLst>
   </p:cSld>
   <p:clrMapOvr>
     <a:masterClrMapping/>

--- a/前來敬拜(崇拜版).pptx
+++ b/前來敬拜(崇拜版).pptx
@@ -311,7 +311,7 @@
             <a:fld id="{F5111003-CFFD-4D7C-BD20-490209D697E8}" type="datetimeFigureOut">
               <a:rPr lang="zh-TW" altLang="en-US" smtClean="0"/>
               <a:pPr/>
-              <a:t>2022/2/26</a:t>
+              <a:t>2023/9/16</a:t>
             </a:fld>
             <a:endParaRPr lang="zh-TW" altLang="en-US"/>
           </a:p>
@@ -478,7 +478,7 @@
             <a:fld id="{F5111003-CFFD-4D7C-BD20-490209D697E8}" type="datetimeFigureOut">
               <a:rPr lang="zh-TW" altLang="en-US" smtClean="0"/>
               <a:pPr/>
-              <a:t>2022/2/26</a:t>
+              <a:t>2023/9/16</a:t>
             </a:fld>
             <a:endParaRPr lang="zh-TW" altLang="en-US"/>
           </a:p>
@@ -655,7 +655,7 @@
             <a:fld id="{F5111003-CFFD-4D7C-BD20-490209D697E8}" type="datetimeFigureOut">
               <a:rPr lang="zh-TW" altLang="en-US" smtClean="0"/>
               <a:pPr/>
-              <a:t>2022/2/26</a:t>
+              <a:t>2023/9/16</a:t>
             </a:fld>
             <a:endParaRPr lang="zh-TW" altLang="en-US"/>
           </a:p>
@@ -822,7 +822,7 @@
             <a:fld id="{F5111003-CFFD-4D7C-BD20-490209D697E8}" type="datetimeFigureOut">
               <a:rPr lang="zh-TW" altLang="en-US" smtClean="0"/>
               <a:pPr/>
-              <a:t>2022/2/26</a:t>
+              <a:t>2023/9/16</a:t>
             </a:fld>
             <a:endParaRPr lang="zh-TW" altLang="en-US"/>
           </a:p>
@@ -1065,7 +1065,7 @@
             <a:fld id="{F5111003-CFFD-4D7C-BD20-490209D697E8}" type="datetimeFigureOut">
               <a:rPr lang="zh-TW" altLang="en-US" smtClean="0"/>
               <a:pPr/>
-              <a:t>2022/2/26</a:t>
+              <a:t>2023/9/16</a:t>
             </a:fld>
             <a:endParaRPr lang="zh-TW" altLang="en-US"/>
           </a:p>
@@ -1350,7 +1350,7 @@
             <a:fld id="{F5111003-CFFD-4D7C-BD20-490209D697E8}" type="datetimeFigureOut">
               <a:rPr lang="zh-TW" altLang="en-US" smtClean="0"/>
               <a:pPr/>
-              <a:t>2022/2/26</a:t>
+              <a:t>2023/9/16</a:t>
             </a:fld>
             <a:endParaRPr lang="zh-TW" altLang="en-US"/>
           </a:p>
@@ -1769,7 +1769,7 @@
             <a:fld id="{F5111003-CFFD-4D7C-BD20-490209D697E8}" type="datetimeFigureOut">
               <a:rPr lang="zh-TW" altLang="en-US" smtClean="0"/>
               <a:pPr/>
-              <a:t>2022/2/26</a:t>
+              <a:t>2023/9/16</a:t>
             </a:fld>
             <a:endParaRPr lang="zh-TW" altLang="en-US"/>
           </a:p>
@@ -1884,7 +1884,7 @@
             <a:fld id="{F5111003-CFFD-4D7C-BD20-490209D697E8}" type="datetimeFigureOut">
               <a:rPr lang="zh-TW" altLang="en-US" smtClean="0"/>
               <a:pPr/>
-              <a:t>2022/2/26</a:t>
+              <a:t>2023/9/16</a:t>
             </a:fld>
             <a:endParaRPr lang="zh-TW" altLang="en-US"/>
           </a:p>
@@ -1976,7 +1976,7 @@
             <a:fld id="{F5111003-CFFD-4D7C-BD20-490209D697E8}" type="datetimeFigureOut">
               <a:rPr lang="zh-TW" altLang="en-US" smtClean="0"/>
               <a:pPr/>
-              <a:t>2022/2/26</a:t>
+              <a:t>2023/9/16</a:t>
             </a:fld>
             <a:endParaRPr lang="zh-TW" altLang="en-US"/>
           </a:p>
@@ -2250,7 +2250,7 @@
             <a:fld id="{F5111003-CFFD-4D7C-BD20-490209D697E8}" type="datetimeFigureOut">
               <a:rPr lang="zh-TW" altLang="en-US" smtClean="0"/>
               <a:pPr/>
-              <a:t>2022/2/26</a:t>
+              <a:t>2023/9/16</a:t>
             </a:fld>
             <a:endParaRPr lang="zh-TW" altLang="en-US"/>
           </a:p>
@@ -2504,7 +2504,7 @@
             <a:fld id="{F5111003-CFFD-4D7C-BD20-490209D697E8}" type="datetimeFigureOut">
               <a:rPr lang="zh-TW" altLang="en-US" smtClean="0"/>
               <a:pPr/>
-              <a:t>2022/2/26</a:t>
+              <a:t>2023/9/16</a:t>
             </a:fld>
             <a:endParaRPr lang="zh-TW" altLang="en-US"/>
           </a:p>
@@ -2719,7 +2719,7 @@
             <a:fld id="{F5111003-CFFD-4D7C-BD20-490209D697E8}" type="datetimeFigureOut">
               <a:rPr lang="zh-TW" altLang="en-US" smtClean="0"/>
               <a:pPr/>
-              <a:t>2022/2/26</a:t>
+              <a:t>2023/9/16</a:t>
             </a:fld>
             <a:endParaRPr lang="zh-TW" altLang="en-US"/>
           </a:p>
@@ -3127,24 +3127,7 @@
                 <a:latin typeface="微軟正黑體" pitchFamily="34" charset="-120"/>
                 <a:ea typeface="微軟正黑體" pitchFamily="34" charset="-120"/>
               </a:rPr>
-              <a:t>前</a:t>
-            </a:r>
-            <a:r>
-              <a:rPr lang="zh-CN" altLang="en-US" sz="7200" b="1" i="1" dirty="0">
-                <a:solidFill>
-                  <a:srgbClr val="000066"/>
-                </a:solidFill>
-                <a:effectLst>
-                  <a:outerShdw blurRad="38100" dist="38100" dir="2700000" algn="tl">
-                    <a:srgbClr val="000000">
-                      <a:alpha val="43137"/>
-                    </a:srgbClr>
-                  </a:outerShdw>
-                </a:effectLst>
-                <a:latin typeface="微軟正黑體" pitchFamily="34" charset="-120"/>
-                <a:ea typeface="微軟正黑體" pitchFamily="34" charset="-120"/>
-              </a:rPr>
-              <a:t>來敬拜</a:t>
+              <a:t>前來敬拜</a:t>
             </a:r>
             <a:endParaRPr lang="zh-TW" altLang="en-US" sz="7200" b="1" i="1" dirty="0">
               <a:solidFill>
@@ -3314,18 +3297,7 @@
                 <a:latin typeface="Microsoft JhengHei" panose="020B0604030504040204" pitchFamily="34" charset="-120"/>
                 <a:ea typeface="Microsoft JhengHei" panose="020B0604030504040204" pitchFamily="34" charset="-120"/>
               </a:rPr>
-              <a:t> </a:t>
-            </a:r>
-            <a:r>
-              <a:rPr lang="en-US" sz="4400" b="1" dirty="0">
-                <a:solidFill>
-                  <a:srgbClr val="000066"/>
-                </a:solidFill>
-                <a:effectLst/>
-                <a:latin typeface="Microsoft JhengHei" panose="020B0604030504040204" pitchFamily="34" charset="-120"/>
-                <a:ea typeface="Microsoft JhengHei" panose="020B0604030504040204" pitchFamily="34" charset="-120"/>
-              </a:rPr>
-              <a:t>)</a:t>
+              <a:t> )</a:t>
             </a:r>
             <a:endParaRPr lang="vi-VN" sz="4400" b="1" dirty="0">
               <a:solidFill>
@@ -3424,13 +3396,6 @@
               </a:rPr>
               <a:t>大聲宣告主榮耀降臨</a:t>
             </a:r>
-            <a:endParaRPr lang="zh-TW" altLang="en-US" sz="6400" b="1" dirty="0">
-              <a:solidFill>
-                <a:srgbClr val="000066"/>
-              </a:solidFill>
-              <a:latin typeface="微軟正黑體" pitchFamily="34" charset="-120"/>
-              <a:ea typeface="微軟正黑體" pitchFamily="34" charset="-120"/>
-            </a:endParaRPr>
           </a:p>
         </p:txBody>
       </p:sp>
@@ -3488,18 +3453,7 @@
                 <a:latin typeface="Microsoft JhengHei" panose="020B0604030504040204" pitchFamily="34" charset="-120"/>
                 <a:ea typeface="Microsoft JhengHei" panose="020B0604030504040204" pitchFamily="34" charset="-120"/>
               </a:rPr>
-              <a:t> </a:t>
-            </a:r>
-            <a:r>
-              <a:rPr lang="en-US" sz="4400" b="1" dirty="0">
-                <a:solidFill>
-                  <a:srgbClr val="000066"/>
-                </a:solidFill>
-                <a:effectLst/>
-                <a:latin typeface="Microsoft JhengHei" panose="020B0604030504040204" pitchFamily="34" charset="-120"/>
-                <a:ea typeface="Microsoft JhengHei" panose="020B0604030504040204" pitchFamily="34" charset="-120"/>
-              </a:rPr>
-              <a:t>)</a:t>
+              <a:t> )</a:t>
             </a:r>
             <a:endParaRPr lang="vi-VN" sz="4400" b="1" dirty="0">
               <a:solidFill>
@@ -3574,17 +3528,27 @@
                 <a:latin typeface="微軟正黑體" pitchFamily="34" charset="-120"/>
                 <a:ea typeface="微軟正黑體" pitchFamily="34" charset="-120"/>
               </a:rPr>
-              <a:t>榮耀尊貴   能力權柄歸於</a:t>
-            </a:r>
-            <a:r>
-              <a:rPr lang="zh-CN" altLang="en-US" sz="6400" b="1" dirty="0">
+              <a:t>榮耀尊貴   能力權柄歸</a:t>
+            </a:r>
+            <a:r>
+              <a:rPr lang="zh-TW" altLang="en-US" sz="6400" b="1" dirty="0" smtClean="0">
                 <a:solidFill>
                   <a:srgbClr val="000066"/>
                 </a:solidFill>
                 <a:latin typeface="微軟正黑體" pitchFamily="34" charset="-120"/>
                 <a:ea typeface="微軟正黑體" pitchFamily="34" charset="-120"/>
               </a:rPr>
-              <a:t>袮</a:t>
+              <a:t>於</a:t>
+            </a:r>
+            <a:r>
+              <a:rPr lang="zh-CN" altLang="en-US" sz="6400" b="1" dirty="0" smtClean="0">
+                <a:solidFill>
+                  <a:srgbClr val="000066"/>
+                </a:solidFill>
+                <a:latin typeface="微軟正黑體" pitchFamily="34" charset="-120"/>
+                <a:ea typeface="微軟正黑體" pitchFamily="34" charset="-120"/>
+              </a:rPr>
+              <a:t>祢</a:t>
             </a:r>
             <a:endParaRPr lang="en-US" altLang="zh-TW" sz="6400" b="1" dirty="0">
               <a:solidFill>
@@ -3599,24 +3563,34 @@
               <a:buNone/>
             </a:pPr>
             <a:r>
-              <a:rPr lang="zh-CN" altLang="en-US" sz="6400" b="1" dirty="0">
+              <a:rPr lang="zh-CN" altLang="en-US" sz="6400" b="1" dirty="0" smtClean="0">
                 <a:solidFill>
                   <a:srgbClr val="000066"/>
                 </a:solidFill>
                 <a:latin typeface="微軟正黑體" pitchFamily="34" charset="-120"/>
                 <a:ea typeface="微軟正黑體" pitchFamily="34" charset="-120"/>
               </a:rPr>
-              <a:t>袮</a:t>
-            </a:r>
-            <a:r>
-              <a:rPr lang="zh-TW" altLang="en-US" sz="6400" b="1" dirty="0">
+              <a:t>祢</a:t>
+            </a:r>
+            <a:r>
+              <a:rPr lang="zh-TW" altLang="en-US" sz="6400" b="1" dirty="0" smtClean="0">
                 <a:solidFill>
                   <a:srgbClr val="000066"/>
                 </a:solidFill>
                 <a:latin typeface="微軟正黑體" pitchFamily="34" charset="-120"/>
                 <a:ea typeface="微軟正黑體" pitchFamily="34" charset="-120"/>
               </a:rPr>
-              <a:t>是我的救主   我的救贖</a:t>
+              <a:t>是</a:t>
+            </a:r>
+            <a:r>
+              <a:rPr lang="zh-TW" altLang="en-US" sz="6400" b="1" dirty="0">
+                <a:solidFill>
+                  <a:srgbClr val="000066"/>
+                </a:solidFill>
+                <a:latin typeface="微軟正黑體" pitchFamily="34" charset="-120"/>
+                <a:ea typeface="微軟正黑體" pitchFamily="34" charset="-120"/>
+              </a:rPr>
+              <a:t>我的救主   我的救贖</a:t>
             </a:r>
             <a:endParaRPr lang="en-US" altLang="zh-TW" sz="6400" b="1" dirty="0">
               <a:solidFill>
@@ -3682,18 +3656,7 @@
                 <a:latin typeface="Microsoft JhengHei" panose="020B0604030504040204" pitchFamily="34" charset="-120"/>
                 <a:ea typeface="Microsoft JhengHei" panose="020B0604030504040204" pitchFamily="34" charset="-120"/>
               </a:rPr>
-              <a:t> </a:t>
-            </a:r>
-            <a:r>
-              <a:rPr lang="en-US" sz="4400" b="1" dirty="0">
-                <a:solidFill>
-                  <a:srgbClr val="000066"/>
-                </a:solidFill>
-                <a:effectLst/>
-                <a:latin typeface="Microsoft JhengHei" panose="020B0604030504040204" pitchFamily="34" charset="-120"/>
-                <a:ea typeface="Microsoft JhengHei" panose="020B0604030504040204" pitchFamily="34" charset="-120"/>
-              </a:rPr>
-              <a:t>)</a:t>
+              <a:t> )</a:t>
             </a:r>
             <a:endParaRPr lang="vi-VN" sz="4400" b="1" dirty="0">
               <a:solidFill>
@@ -3790,17 +3753,27 @@
                 <a:latin typeface="微軟正黑體" pitchFamily="34" charset="-120"/>
                 <a:ea typeface="微軟正黑體" pitchFamily="34" charset="-120"/>
               </a:rPr>
-              <a:t>能力權柄歸於</a:t>
-            </a:r>
-            <a:r>
-              <a:rPr lang="zh-CN" altLang="en-US" sz="6400" b="1" dirty="0">
+              <a:t>能力權柄歸</a:t>
+            </a:r>
+            <a:r>
+              <a:rPr lang="zh-TW" altLang="en-US" sz="6400" b="1" dirty="0" smtClean="0">
                 <a:solidFill>
                   <a:srgbClr val="000066"/>
                 </a:solidFill>
                 <a:latin typeface="微軟正黑體" pitchFamily="34" charset="-120"/>
                 <a:ea typeface="微軟正黑體" pitchFamily="34" charset="-120"/>
               </a:rPr>
-              <a:t>袮</a:t>
+              <a:t>於</a:t>
+            </a:r>
+            <a:r>
+              <a:rPr lang="zh-CN" altLang="en-US" sz="6400" b="1" dirty="0" smtClean="0">
+                <a:solidFill>
+                  <a:srgbClr val="000066"/>
+                </a:solidFill>
+                <a:latin typeface="微軟正黑體" pitchFamily="34" charset="-120"/>
+                <a:ea typeface="微軟正黑體" pitchFamily="34" charset="-120"/>
+              </a:rPr>
+              <a:t>祢</a:t>
             </a:r>
             <a:endParaRPr lang="en-US" altLang="zh-TW" sz="6400" b="1" dirty="0">
               <a:solidFill>
@@ -3866,18 +3839,7 @@
                 <a:latin typeface="Microsoft JhengHei" panose="020B0604030504040204" pitchFamily="34" charset="-120"/>
                 <a:ea typeface="Microsoft JhengHei" panose="020B0604030504040204" pitchFamily="34" charset="-120"/>
               </a:rPr>
-              <a:t> </a:t>
-            </a:r>
-            <a:r>
-              <a:rPr lang="en-US" sz="4400" b="1" dirty="0">
-                <a:solidFill>
-                  <a:srgbClr val="000066"/>
-                </a:solidFill>
-                <a:effectLst/>
-                <a:latin typeface="Microsoft JhengHei" panose="020B0604030504040204" pitchFamily="34" charset="-120"/>
-                <a:ea typeface="Microsoft JhengHei" panose="020B0604030504040204" pitchFamily="34" charset="-120"/>
-              </a:rPr>
-              <a:t>)</a:t>
+              <a:t> )</a:t>
             </a:r>
             <a:endParaRPr lang="vi-VN" sz="4400" b="1" dirty="0">
               <a:solidFill>
@@ -3945,44 +3907,64 @@
               <a:buNone/>
             </a:pPr>
             <a:r>
-              <a:rPr lang="zh-CN" altLang="en-US" sz="6400" b="1" dirty="0">
+              <a:rPr lang="zh-CN" altLang="en-US" sz="6400" b="1" dirty="0" smtClean="0">
                 <a:solidFill>
                   <a:srgbClr val="000066"/>
                 </a:solidFill>
                 <a:latin typeface="微軟正黑體" pitchFamily="34" charset="-120"/>
                 <a:ea typeface="微軟正黑體" pitchFamily="34" charset="-120"/>
               </a:rPr>
-              <a:t>袮</a:t>
-            </a:r>
-            <a:r>
-              <a:rPr lang="zh-TW" altLang="en-US" sz="6400" b="1" dirty="0">
+              <a:t>祢</a:t>
+            </a:r>
+            <a:r>
+              <a:rPr lang="zh-TW" altLang="en-US" sz="6400" b="1" dirty="0" smtClean="0">
                 <a:solidFill>
                   <a:srgbClr val="000066"/>
                 </a:solidFill>
                 <a:latin typeface="微軟正黑體" pitchFamily="34" charset="-120"/>
                 <a:ea typeface="微軟正黑體" pitchFamily="34" charset="-120"/>
               </a:rPr>
-              <a:t>是配得  </a:t>
-            </a:r>
-            <a:r>
-              <a:rPr lang="zh-CN" altLang="en-US" sz="6400" b="1" dirty="0">
+              <a:t>是</a:t>
+            </a:r>
+            <a:r>
+              <a:rPr lang="zh-TW" altLang="en-US" sz="6400" b="1" dirty="0">
                 <a:solidFill>
                   <a:srgbClr val="000066"/>
                 </a:solidFill>
                 <a:latin typeface="微軟正黑體" pitchFamily="34" charset="-120"/>
                 <a:ea typeface="微軟正黑體" pitchFamily="34" charset="-120"/>
               </a:rPr>
-              <a:t>袮</a:t>
-            </a:r>
-            <a:r>
-              <a:rPr lang="zh-TW" altLang="en-US" sz="6400" b="1" dirty="0">
+              <a:t>配得  </a:t>
+            </a:r>
+            <a:r>
+              <a:rPr lang="zh-CN" altLang="en-US" sz="6400" b="1" dirty="0" smtClean="0">
                 <a:solidFill>
                   <a:srgbClr val="000066"/>
                 </a:solidFill>
                 <a:latin typeface="微軟正黑體" pitchFamily="34" charset="-120"/>
                 <a:ea typeface="微軟正黑體" pitchFamily="34" charset="-120"/>
               </a:rPr>
-              <a:t>是配得</a:t>
+              <a:t>祢</a:t>
+            </a:r>
+            <a:r>
+              <a:rPr lang="zh-TW" altLang="en-US" sz="6400" b="1" dirty="0" smtClean="0">
+                <a:solidFill>
+                  <a:srgbClr val="000066"/>
+                </a:solidFill>
+                <a:latin typeface="微軟正黑體" pitchFamily="34" charset="-120"/>
+                <a:ea typeface="微軟正黑體" pitchFamily="34" charset="-120"/>
+              </a:rPr>
+              <a:t>是</a:t>
+            </a:r>
+            <a:r>
+              <a:rPr lang="zh-TW" altLang="en-US" sz="6400" b="1" dirty="0">
+                <a:solidFill>
+                  <a:srgbClr val="000066"/>
+                </a:solidFill>
+                <a:latin typeface="微軟正黑體" pitchFamily="34" charset="-120"/>
+                <a:ea typeface="微軟正黑體" pitchFamily="34" charset="-120"/>
+              </a:rPr>
+              <a:t>配得</a:t>
             </a:r>
             <a:endParaRPr lang="en-US" altLang="zh-TW" sz="6400" b="1" dirty="0">
               <a:solidFill>
@@ -3997,32 +3979,35 @@
               <a:buNone/>
             </a:pPr>
             <a:r>
-              <a:rPr lang="zh-CN" altLang="en-US" sz="6400" b="1" dirty="0">
+              <a:rPr lang="zh-CN" altLang="en-US" sz="6400" b="1" dirty="0" smtClean="0">
                 <a:solidFill>
                   <a:srgbClr val="000066"/>
                 </a:solidFill>
                 <a:latin typeface="微軟正黑體" pitchFamily="34" charset="-120"/>
                 <a:ea typeface="微軟正黑體" pitchFamily="34" charset="-120"/>
               </a:rPr>
-              <a:t>袮</a:t>
-            </a:r>
-            <a:r>
-              <a:rPr lang="zh-TW" altLang="en-US" sz="6400" b="1" dirty="0">
+              <a:t>祢</a:t>
+            </a:r>
+            <a:r>
+              <a:rPr lang="zh-TW" altLang="en-US" sz="6400" b="1" dirty="0" smtClean="0">
                 <a:solidFill>
                   <a:srgbClr val="000066"/>
                 </a:solidFill>
                 <a:latin typeface="微軟正黑體" pitchFamily="34" charset="-120"/>
                 <a:ea typeface="微軟正黑體" pitchFamily="34" charset="-120"/>
               </a:rPr>
-              <a:t>是配得我的敬拜</a:t>
-            </a:r>
-            <a:endParaRPr lang="zh-TW" altLang="en-US" sz="6400" b="1" dirty="0">
-              <a:solidFill>
-                <a:srgbClr val="000066"/>
-              </a:solidFill>
-              <a:latin typeface="微軟正黑體" pitchFamily="34" charset="-120"/>
-              <a:ea typeface="微軟正黑體" pitchFamily="34" charset="-120"/>
-            </a:endParaRPr>
+              <a:t>是</a:t>
+            </a:r>
+            <a:r>
+              <a:rPr lang="zh-TW" altLang="en-US" sz="6400" b="1" dirty="0">
+                <a:solidFill>
+                  <a:srgbClr val="000066"/>
+                </a:solidFill>
+                <a:latin typeface="微軟正黑體" pitchFamily="34" charset="-120"/>
+                <a:ea typeface="微軟正黑體" pitchFamily="34" charset="-120"/>
+              </a:rPr>
+              <a:t>配得我的敬拜</a:t>
+            </a:r>
           </a:p>
         </p:txBody>
       </p:sp>
@@ -4080,18 +4065,7 @@
                 <a:latin typeface="Microsoft JhengHei" panose="020B0604030504040204" pitchFamily="34" charset="-120"/>
                 <a:ea typeface="Microsoft JhengHei" panose="020B0604030504040204" pitchFamily="34" charset="-120"/>
               </a:rPr>
-              <a:t> </a:t>
-            </a:r>
-            <a:r>
-              <a:rPr lang="en-US" sz="4400" b="1" dirty="0">
-                <a:solidFill>
-                  <a:srgbClr val="000066"/>
-                </a:solidFill>
-                <a:effectLst/>
-                <a:latin typeface="Microsoft JhengHei" panose="020B0604030504040204" pitchFamily="34" charset="-120"/>
-                <a:ea typeface="Microsoft JhengHei" panose="020B0604030504040204" pitchFamily="34" charset="-120"/>
-              </a:rPr>
-              <a:t>)</a:t>
+              <a:t> )</a:t>
             </a:r>
             <a:endParaRPr lang="vi-VN" sz="4400" b="1" dirty="0">
               <a:solidFill>

--- a/前來敬拜(崇拜版).pptx
+++ b/前來敬拜(崇拜版).pptx
@@ -167,10 +167,9 @@
           <a:lstStyle/>
           <a:p>
             <a:r>
-              <a:rPr lang="zh-TW" altLang="en-US" smtClean="0"/>
+              <a:rPr lang="zh-TW" altLang="en-US"/>
               <a:t>按一下以編輯母片標題樣式</a:t>
             </a:r>
-            <a:endParaRPr lang="zh-TW" altLang="en-US"/>
           </a:p>
         </p:txBody>
       </p:sp>
@@ -286,10 +285,9 @@
           </a:lstStyle>
           <a:p>
             <a:r>
-              <a:rPr lang="zh-TW" altLang="en-US" smtClean="0"/>
+              <a:rPr lang="zh-TW" altLang="en-US"/>
               <a:t>按一下以編輯母片副標題樣式</a:t>
             </a:r>
-            <a:endParaRPr lang="zh-TW" altLang="en-US"/>
           </a:p>
         </p:txBody>
       </p:sp>
@@ -311,7 +309,7 @@
             <a:fld id="{F5111003-CFFD-4D7C-BD20-490209D697E8}" type="datetimeFigureOut">
               <a:rPr lang="zh-TW" altLang="en-US" smtClean="0"/>
               <a:pPr/>
-              <a:t>2023/9/16</a:t>
+              <a:t>2024/3/9</a:t>
             </a:fld>
             <a:endParaRPr lang="zh-TW" altLang="en-US"/>
           </a:p>
@@ -401,10 +399,9 @@
           <a:lstStyle/>
           <a:p>
             <a:r>
-              <a:rPr lang="zh-TW" altLang="en-US" smtClean="0"/>
+              <a:rPr lang="zh-TW" altLang="en-US"/>
               <a:t>按一下以編輯母片標題樣式</a:t>
             </a:r>
-            <a:endParaRPr lang="zh-TW" altLang="en-US"/>
           </a:p>
         </p:txBody>
       </p:sp>
@@ -425,38 +422,37 @@
           <a:p>
             <a:pPr lvl="0"/>
             <a:r>
-              <a:rPr lang="zh-TW" altLang="en-US" smtClean="0"/>
+              <a:rPr lang="zh-TW" altLang="en-US"/>
               <a:t>按一下以編輯母片文字樣式</a:t>
             </a:r>
           </a:p>
           <a:p>
             <a:pPr lvl="1"/>
             <a:r>
-              <a:rPr lang="zh-TW" altLang="en-US" smtClean="0"/>
+              <a:rPr lang="zh-TW" altLang="en-US"/>
               <a:t>第二層</a:t>
             </a:r>
           </a:p>
           <a:p>
             <a:pPr lvl="2"/>
             <a:r>
-              <a:rPr lang="zh-TW" altLang="en-US" smtClean="0"/>
+              <a:rPr lang="zh-TW" altLang="en-US"/>
               <a:t>第三層</a:t>
             </a:r>
           </a:p>
           <a:p>
             <a:pPr lvl="3"/>
             <a:r>
-              <a:rPr lang="zh-TW" altLang="en-US" smtClean="0"/>
+              <a:rPr lang="zh-TW" altLang="en-US"/>
               <a:t>第四層</a:t>
             </a:r>
           </a:p>
           <a:p>
             <a:pPr lvl="4"/>
             <a:r>
-              <a:rPr lang="zh-TW" altLang="en-US" smtClean="0"/>
+              <a:rPr lang="zh-TW" altLang="en-US"/>
               <a:t>第五層</a:t>
             </a:r>
-            <a:endParaRPr lang="zh-TW" altLang="en-US"/>
           </a:p>
         </p:txBody>
       </p:sp>
@@ -478,7 +474,7 @@
             <a:fld id="{F5111003-CFFD-4D7C-BD20-490209D697E8}" type="datetimeFigureOut">
               <a:rPr lang="zh-TW" altLang="en-US" smtClean="0"/>
               <a:pPr/>
-              <a:t>2023/9/16</a:t>
+              <a:t>2024/3/9</a:t>
             </a:fld>
             <a:endParaRPr lang="zh-TW" altLang="en-US"/>
           </a:p>
@@ -573,10 +569,9 @@
           <a:lstStyle/>
           <a:p>
             <a:r>
-              <a:rPr lang="zh-TW" altLang="en-US" smtClean="0"/>
+              <a:rPr lang="zh-TW" altLang="en-US"/>
               <a:t>按一下以編輯母片標題樣式</a:t>
             </a:r>
-            <a:endParaRPr lang="zh-TW" altLang="en-US"/>
           </a:p>
         </p:txBody>
       </p:sp>
@@ -602,38 +597,37 @@
           <a:p>
             <a:pPr lvl="0"/>
             <a:r>
-              <a:rPr lang="zh-TW" altLang="en-US" smtClean="0"/>
+              <a:rPr lang="zh-TW" altLang="en-US"/>
               <a:t>按一下以編輯母片文字樣式</a:t>
             </a:r>
           </a:p>
           <a:p>
             <a:pPr lvl="1"/>
             <a:r>
-              <a:rPr lang="zh-TW" altLang="en-US" smtClean="0"/>
+              <a:rPr lang="zh-TW" altLang="en-US"/>
               <a:t>第二層</a:t>
             </a:r>
           </a:p>
           <a:p>
             <a:pPr lvl="2"/>
             <a:r>
-              <a:rPr lang="zh-TW" altLang="en-US" smtClean="0"/>
+              <a:rPr lang="zh-TW" altLang="en-US"/>
               <a:t>第三層</a:t>
             </a:r>
           </a:p>
           <a:p>
             <a:pPr lvl="3"/>
             <a:r>
-              <a:rPr lang="zh-TW" altLang="en-US" smtClean="0"/>
+              <a:rPr lang="zh-TW" altLang="en-US"/>
               <a:t>第四層</a:t>
             </a:r>
           </a:p>
           <a:p>
             <a:pPr lvl="4"/>
             <a:r>
-              <a:rPr lang="zh-TW" altLang="en-US" smtClean="0"/>
+              <a:rPr lang="zh-TW" altLang="en-US"/>
               <a:t>第五層</a:t>
             </a:r>
-            <a:endParaRPr lang="zh-TW" altLang="en-US"/>
           </a:p>
         </p:txBody>
       </p:sp>
@@ -655,7 +649,7 @@
             <a:fld id="{F5111003-CFFD-4D7C-BD20-490209D697E8}" type="datetimeFigureOut">
               <a:rPr lang="zh-TW" altLang="en-US" smtClean="0"/>
               <a:pPr/>
-              <a:t>2023/9/16</a:t>
+              <a:t>2024/3/9</a:t>
             </a:fld>
             <a:endParaRPr lang="zh-TW" altLang="en-US"/>
           </a:p>
@@ -745,10 +739,9 @@
           <a:lstStyle/>
           <a:p>
             <a:r>
-              <a:rPr lang="zh-TW" altLang="en-US" smtClean="0"/>
+              <a:rPr lang="zh-TW" altLang="en-US"/>
               <a:t>按一下以編輯母片標題樣式</a:t>
             </a:r>
-            <a:endParaRPr lang="zh-TW" altLang="en-US"/>
           </a:p>
         </p:txBody>
       </p:sp>
@@ -769,38 +762,37 @@
           <a:p>
             <a:pPr lvl="0"/>
             <a:r>
-              <a:rPr lang="zh-TW" altLang="en-US" smtClean="0"/>
+              <a:rPr lang="zh-TW" altLang="en-US"/>
               <a:t>按一下以編輯母片文字樣式</a:t>
             </a:r>
           </a:p>
           <a:p>
             <a:pPr lvl="1"/>
             <a:r>
-              <a:rPr lang="zh-TW" altLang="en-US" smtClean="0"/>
+              <a:rPr lang="zh-TW" altLang="en-US"/>
               <a:t>第二層</a:t>
             </a:r>
           </a:p>
           <a:p>
             <a:pPr lvl="2"/>
             <a:r>
-              <a:rPr lang="zh-TW" altLang="en-US" smtClean="0"/>
+              <a:rPr lang="zh-TW" altLang="en-US"/>
               <a:t>第三層</a:t>
             </a:r>
           </a:p>
           <a:p>
             <a:pPr lvl="3"/>
             <a:r>
-              <a:rPr lang="zh-TW" altLang="en-US" smtClean="0"/>
+              <a:rPr lang="zh-TW" altLang="en-US"/>
               <a:t>第四層</a:t>
             </a:r>
           </a:p>
           <a:p>
             <a:pPr lvl="4"/>
             <a:r>
-              <a:rPr lang="zh-TW" altLang="en-US" smtClean="0"/>
+              <a:rPr lang="zh-TW" altLang="en-US"/>
               <a:t>第五層</a:t>
             </a:r>
-            <a:endParaRPr lang="zh-TW" altLang="en-US"/>
           </a:p>
         </p:txBody>
       </p:sp>
@@ -822,7 +814,7 @@
             <a:fld id="{F5111003-CFFD-4D7C-BD20-490209D697E8}" type="datetimeFigureOut">
               <a:rPr lang="zh-TW" altLang="en-US" smtClean="0"/>
               <a:pPr/>
-              <a:t>2023/9/16</a:t>
+              <a:t>2024/3/9</a:t>
             </a:fld>
             <a:endParaRPr lang="zh-TW" altLang="en-US"/>
           </a:p>
@@ -921,10 +913,9 @@
           </a:lstStyle>
           <a:p>
             <a:r>
-              <a:rPr lang="zh-TW" altLang="en-US" smtClean="0"/>
+              <a:rPr lang="zh-TW" altLang="en-US"/>
               <a:t>按一下以編輯母片標題樣式</a:t>
             </a:r>
-            <a:endParaRPr lang="zh-TW" altLang="en-US"/>
           </a:p>
         </p:txBody>
       </p:sp>
@@ -1041,7 +1032,7 @@
           <a:p>
             <a:pPr lvl="0"/>
             <a:r>
-              <a:rPr lang="zh-TW" altLang="en-US" smtClean="0"/>
+              <a:rPr lang="zh-TW" altLang="en-US"/>
               <a:t>按一下以編輯母片文字樣式</a:t>
             </a:r>
           </a:p>
@@ -1065,7 +1056,7 @@
             <a:fld id="{F5111003-CFFD-4D7C-BD20-490209D697E8}" type="datetimeFigureOut">
               <a:rPr lang="zh-TW" altLang="en-US" smtClean="0"/>
               <a:pPr/>
-              <a:t>2023/9/16</a:t>
+              <a:t>2024/3/9</a:t>
             </a:fld>
             <a:endParaRPr lang="zh-TW" altLang="en-US"/>
           </a:p>
@@ -1155,10 +1146,9 @@
           <a:lstStyle/>
           <a:p>
             <a:r>
-              <a:rPr lang="zh-TW" altLang="en-US" smtClean="0"/>
+              <a:rPr lang="zh-TW" altLang="en-US"/>
               <a:t>按一下以編輯母片標題樣式</a:t>
             </a:r>
-            <a:endParaRPr lang="zh-TW" altLang="en-US"/>
           </a:p>
         </p:txBody>
       </p:sp>
@@ -1212,38 +1202,37 @@
           <a:p>
             <a:pPr lvl="0"/>
             <a:r>
-              <a:rPr lang="zh-TW" altLang="en-US" smtClean="0"/>
+              <a:rPr lang="zh-TW" altLang="en-US"/>
               <a:t>按一下以編輯母片文字樣式</a:t>
             </a:r>
           </a:p>
           <a:p>
             <a:pPr lvl="1"/>
             <a:r>
-              <a:rPr lang="zh-TW" altLang="en-US" smtClean="0"/>
+              <a:rPr lang="zh-TW" altLang="en-US"/>
               <a:t>第二層</a:t>
             </a:r>
           </a:p>
           <a:p>
             <a:pPr lvl="2"/>
             <a:r>
-              <a:rPr lang="zh-TW" altLang="en-US" smtClean="0"/>
+              <a:rPr lang="zh-TW" altLang="en-US"/>
               <a:t>第三層</a:t>
             </a:r>
           </a:p>
           <a:p>
             <a:pPr lvl="3"/>
             <a:r>
-              <a:rPr lang="zh-TW" altLang="en-US" smtClean="0"/>
+              <a:rPr lang="zh-TW" altLang="en-US"/>
               <a:t>第四層</a:t>
             </a:r>
           </a:p>
           <a:p>
             <a:pPr lvl="4"/>
             <a:r>
-              <a:rPr lang="zh-TW" altLang="en-US" smtClean="0"/>
+              <a:rPr lang="zh-TW" altLang="en-US"/>
               <a:t>第五層</a:t>
             </a:r>
-            <a:endParaRPr lang="zh-TW" altLang="en-US"/>
           </a:p>
         </p:txBody>
       </p:sp>
@@ -1297,38 +1286,37 @@
           <a:p>
             <a:pPr lvl="0"/>
             <a:r>
-              <a:rPr lang="zh-TW" altLang="en-US" smtClean="0"/>
+              <a:rPr lang="zh-TW" altLang="en-US"/>
               <a:t>按一下以編輯母片文字樣式</a:t>
             </a:r>
           </a:p>
           <a:p>
             <a:pPr lvl="1"/>
             <a:r>
-              <a:rPr lang="zh-TW" altLang="en-US" smtClean="0"/>
+              <a:rPr lang="zh-TW" altLang="en-US"/>
               <a:t>第二層</a:t>
             </a:r>
           </a:p>
           <a:p>
             <a:pPr lvl="2"/>
             <a:r>
-              <a:rPr lang="zh-TW" altLang="en-US" smtClean="0"/>
+              <a:rPr lang="zh-TW" altLang="en-US"/>
               <a:t>第三層</a:t>
             </a:r>
           </a:p>
           <a:p>
             <a:pPr lvl="3"/>
             <a:r>
-              <a:rPr lang="zh-TW" altLang="en-US" smtClean="0"/>
+              <a:rPr lang="zh-TW" altLang="en-US"/>
               <a:t>第四層</a:t>
             </a:r>
           </a:p>
           <a:p>
             <a:pPr lvl="4"/>
             <a:r>
-              <a:rPr lang="zh-TW" altLang="en-US" smtClean="0"/>
+              <a:rPr lang="zh-TW" altLang="en-US"/>
               <a:t>第五層</a:t>
             </a:r>
-            <a:endParaRPr lang="zh-TW" altLang="en-US"/>
           </a:p>
         </p:txBody>
       </p:sp>
@@ -1350,7 +1338,7 @@
             <a:fld id="{F5111003-CFFD-4D7C-BD20-490209D697E8}" type="datetimeFigureOut">
               <a:rPr lang="zh-TW" altLang="en-US" smtClean="0"/>
               <a:pPr/>
-              <a:t>2023/9/16</a:t>
+              <a:t>2024/3/9</a:t>
             </a:fld>
             <a:endParaRPr lang="zh-TW" altLang="en-US"/>
           </a:p>
@@ -1444,10 +1432,9 @@
           </a:lstStyle>
           <a:p>
             <a:r>
-              <a:rPr lang="zh-TW" altLang="en-US" smtClean="0"/>
+              <a:rPr lang="zh-TW" altLang="en-US"/>
               <a:t>按一下以編輯母片標題樣式</a:t>
             </a:r>
-            <a:endParaRPr lang="zh-TW" altLang="en-US"/>
           </a:p>
         </p:txBody>
       </p:sp>
@@ -1510,7 +1497,7 @@
           <a:p>
             <a:pPr lvl="0"/>
             <a:r>
-              <a:rPr lang="zh-TW" altLang="en-US" smtClean="0"/>
+              <a:rPr lang="zh-TW" altLang="en-US"/>
               <a:t>按一下以編輯母片文字樣式</a:t>
             </a:r>
           </a:p>
@@ -1566,38 +1553,37 @@
           <a:p>
             <a:pPr lvl="0"/>
             <a:r>
-              <a:rPr lang="zh-TW" altLang="en-US" smtClean="0"/>
+              <a:rPr lang="zh-TW" altLang="en-US"/>
               <a:t>按一下以編輯母片文字樣式</a:t>
             </a:r>
           </a:p>
           <a:p>
             <a:pPr lvl="1"/>
             <a:r>
-              <a:rPr lang="zh-TW" altLang="en-US" smtClean="0"/>
+              <a:rPr lang="zh-TW" altLang="en-US"/>
               <a:t>第二層</a:t>
             </a:r>
           </a:p>
           <a:p>
             <a:pPr lvl="2"/>
             <a:r>
-              <a:rPr lang="zh-TW" altLang="en-US" smtClean="0"/>
+              <a:rPr lang="zh-TW" altLang="en-US"/>
               <a:t>第三層</a:t>
             </a:r>
           </a:p>
           <a:p>
             <a:pPr lvl="3"/>
             <a:r>
-              <a:rPr lang="zh-TW" altLang="en-US" smtClean="0"/>
+              <a:rPr lang="zh-TW" altLang="en-US"/>
               <a:t>第四層</a:t>
             </a:r>
           </a:p>
           <a:p>
             <a:pPr lvl="4"/>
             <a:r>
-              <a:rPr lang="zh-TW" altLang="en-US" smtClean="0"/>
+              <a:rPr lang="zh-TW" altLang="en-US"/>
               <a:t>第五層</a:t>
             </a:r>
-            <a:endParaRPr lang="zh-TW" altLang="en-US"/>
           </a:p>
         </p:txBody>
       </p:sp>
@@ -1660,7 +1646,7 @@
           <a:p>
             <a:pPr lvl="0"/>
             <a:r>
-              <a:rPr lang="zh-TW" altLang="en-US" smtClean="0"/>
+              <a:rPr lang="zh-TW" altLang="en-US"/>
               <a:t>按一下以編輯母片文字樣式</a:t>
             </a:r>
           </a:p>
@@ -1716,38 +1702,37 @@
           <a:p>
             <a:pPr lvl="0"/>
             <a:r>
-              <a:rPr lang="zh-TW" altLang="en-US" smtClean="0"/>
+              <a:rPr lang="zh-TW" altLang="en-US"/>
               <a:t>按一下以編輯母片文字樣式</a:t>
             </a:r>
           </a:p>
           <a:p>
             <a:pPr lvl="1"/>
             <a:r>
-              <a:rPr lang="zh-TW" altLang="en-US" smtClean="0"/>
+              <a:rPr lang="zh-TW" altLang="en-US"/>
               <a:t>第二層</a:t>
             </a:r>
           </a:p>
           <a:p>
             <a:pPr lvl="2"/>
             <a:r>
-              <a:rPr lang="zh-TW" altLang="en-US" smtClean="0"/>
+              <a:rPr lang="zh-TW" altLang="en-US"/>
               <a:t>第三層</a:t>
             </a:r>
           </a:p>
           <a:p>
             <a:pPr lvl="3"/>
             <a:r>
-              <a:rPr lang="zh-TW" altLang="en-US" smtClean="0"/>
+              <a:rPr lang="zh-TW" altLang="en-US"/>
               <a:t>第四層</a:t>
             </a:r>
           </a:p>
           <a:p>
             <a:pPr lvl="4"/>
             <a:r>
-              <a:rPr lang="zh-TW" altLang="en-US" smtClean="0"/>
+              <a:rPr lang="zh-TW" altLang="en-US"/>
               <a:t>第五層</a:t>
             </a:r>
-            <a:endParaRPr lang="zh-TW" altLang="en-US"/>
           </a:p>
         </p:txBody>
       </p:sp>
@@ -1769,7 +1754,7 @@
             <a:fld id="{F5111003-CFFD-4D7C-BD20-490209D697E8}" type="datetimeFigureOut">
               <a:rPr lang="zh-TW" altLang="en-US" smtClean="0"/>
               <a:pPr/>
-              <a:t>2023/9/16</a:t>
+              <a:t>2024/3/9</a:t>
             </a:fld>
             <a:endParaRPr lang="zh-TW" altLang="en-US"/>
           </a:p>
@@ -1859,10 +1844,9 @@
           <a:lstStyle/>
           <a:p>
             <a:r>
-              <a:rPr lang="zh-TW" altLang="en-US" smtClean="0"/>
+              <a:rPr lang="zh-TW" altLang="en-US"/>
               <a:t>按一下以編輯母片標題樣式</a:t>
             </a:r>
-            <a:endParaRPr lang="zh-TW" altLang="en-US"/>
           </a:p>
         </p:txBody>
       </p:sp>
@@ -1884,7 +1868,7 @@
             <a:fld id="{F5111003-CFFD-4D7C-BD20-490209D697E8}" type="datetimeFigureOut">
               <a:rPr lang="zh-TW" altLang="en-US" smtClean="0"/>
               <a:pPr/>
-              <a:t>2023/9/16</a:t>
+              <a:t>2024/3/9</a:t>
             </a:fld>
             <a:endParaRPr lang="zh-TW" altLang="en-US"/>
           </a:p>
@@ -1976,7 +1960,7 @@
             <a:fld id="{F5111003-CFFD-4D7C-BD20-490209D697E8}" type="datetimeFigureOut">
               <a:rPr lang="zh-TW" altLang="en-US" smtClean="0"/>
               <a:pPr/>
-              <a:t>2023/9/16</a:t>
+              <a:t>2024/3/9</a:t>
             </a:fld>
             <a:endParaRPr lang="zh-TW" altLang="en-US"/>
           </a:p>
@@ -2075,10 +2059,9 @@
           </a:lstStyle>
           <a:p>
             <a:r>
-              <a:rPr lang="zh-TW" altLang="en-US" smtClean="0"/>
+              <a:rPr lang="zh-TW" altLang="en-US"/>
               <a:t>按一下以編輯母片標題樣式</a:t>
             </a:r>
-            <a:endParaRPr lang="zh-TW" altLang="en-US"/>
           </a:p>
         </p:txBody>
       </p:sp>
@@ -2132,38 +2115,37 @@
           <a:p>
             <a:pPr lvl="0"/>
             <a:r>
-              <a:rPr lang="zh-TW" altLang="en-US" smtClean="0"/>
+              <a:rPr lang="zh-TW" altLang="en-US"/>
               <a:t>按一下以編輯母片文字樣式</a:t>
             </a:r>
           </a:p>
           <a:p>
             <a:pPr lvl="1"/>
             <a:r>
-              <a:rPr lang="zh-TW" altLang="en-US" smtClean="0"/>
+              <a:rPr lang="zh-TW" altLang="en-US"/>
               <a:t>第二層</a:t>
             </a:r>
           </a:p>
           <a:p>
             <a:pPr lvl="2"/>
             <a:r>
-              <a:rPr lang="zh-TW" altLang="en-US" smtClean="0"/>
+              <a:rPr lang="zh-TW" altLang="en-US"/>
               <a:t>第三層</a:t>
             </a:r>
           </a:p>
           <a:p>
             <a:pPr lvl="3"/>
             <a:r>
-              <a:rPr lang="zh-TW" altLang="en-US" smtClean="0"/>
+              <a:rPr lang="zh-TW" altLang="en-US"/>
               <a:t>第四層</a:t>
             </a:r>
           </a:p>
           <a:p>
             <a:pPr lvl="4"/>
             <a:r>
-              <a:rPr lang="zh-TW" altLang="en-US" smtClean="0"/>
+              <a:rPr lang="zh-TW" altLang="en-US"/>
               <a:t>第五層</a:t>
             </a:r>
-            <a:endParaRPr lang="zh-TW" altLang="en-US"/>
           </a:p>
         </p:txBody>
       </p:sp>
@@ -2226,7 +2208,7 @@
           <a:p>
             <a:pPr lvl="0"/>
             <a:r>
-              <a:rPr lang="zh-TW" altLang="en-US" smtClean="0"/>
+              <a:rPr lang="zh-TW" altLang="en-US"/>
               <a:t>按一下以編輯母片文字樣式</a:t>
             </a:r>
           </a:p>
@@ -2250,7 +2232,7 @@
             <a:fld id="{F5111003-CFFD-4D7C-BD20-490209D697E8}" type="datetimeFigureOut">
               <a:rPr lang="zh-TW" altLang="en-US" smtClean="0"/>
               <a:pPr/>
-              <a:t>2023/9/16</a:t>
+              <a:t>2024/3/9</a:t>
             </a:fld>
             <a:endParaRPr lang="zh-TW" altLang="en-US"/>
           </a:p>
@@ -2349,10 +2331,9 @@
           </a:lstStyle>
           <a:p>
             <a:r>
-              <a:rPr lang="zh-TW" altLang="en-US" smtClean="0"/>
+              <a:rPr lang="zh-TW" altLang="en-US"/>
               <a:t>按一下以編輯母片標題樣式</a:t>
             </a:r>
-            <a:endParaRPr lang="zh-TW" altLang="en-US"/>
           </a:p>
         </p:txBody>
       </p:sp>
@@ -2414,10 +2395,9 @@
           </a:lstStyle>
           <a:p>
             <a:r>
-              <a:rPr lang="zh-TW" altLang="en-US" smtClean="0"/>
+              <a:rPr lang="zh-TW" altLang="en-US"/>
               <a:t>按一下圖示以新增圖片</a:t>
             </a:r>
-            <a:endParaRPr lang="zh-TW" altLang="en-US"/>
           </a:p>
         </p:txBody>
       </p:sp>
@@ -2480,7 +2460,7 @@
           <a:p>
             <a:pPr lvl="0"/>
             <a:r>
-              <a:rPr lang="zh-TW" altLang="en-US" smtClean="0"/>
+              <a:rPr lang="zh-TW" altLang="en-US"/>
               <a:t>按一下以編輯母片文字樣式</a:t>
             </a:r>
           </a:p>
@@ -2504,7 +2484,7 @@
             <a:fld id="{F5111003-CFFD-4D7C-BD20-490209D697E8}" type="datetimeFigureOut">
               <a:rPr lang="zh-TW" altLang="en-US" smtClean="0"/>
               <a:pPr/>
-              <a:t>2023/9/16</a:t>
+              <a:t>2024/3/9</a:t>
             </a:fld>
             <a:endParaRPr lang="zh-TW" altLang="en-US"/>
           </a:p>
@@ -2614,10 +2594,9 @@
           <a:lstStyle/>
           <a:p>
             <a:r>
-              <a:rPr lang="zh-TW" altLang="en-US" smtClean="0"/>
+              <a:rPr lang="zh-TW" altLang="en-US"/>
               <a:t>按一下以編輯母片標題樣式</a:t>
             </a:r>
-            <a:endParaRPr lang="zh-TW" altLang="en-US"/>
           </a:p>
         </p:txBody>
       </p:sp>
@@ -2648,38 +2627,37 @@
           <a:p>
             <a:pPr lvl="0"/>
             <a:r>
-              <a:rPr lang="zh-TW" altLang="en-US" smtClean="0"/>
+              <a:rPr lang="zh-TW" altLang="en-US"/>
               <a:t>按一下以編輯母片文字樣式</a:t>
             </a:r>
           </a:p>
           <a:p>
             <a:pPr lvl="1"/>
             <a:r>
-              <a:rPr lang="zh-TW" altLang="en-US" smtClean="0"/>
+              <a:rPr lang="zh-TW" altLang="en-US"/>
               <a:t>第二層</a:t>
             </a:r>
           </a:p>
           <a:p>
             <a:pPr lvl="2"/>
             <a:r>
-              <a:rPr lang="zh-TW" altLang="en-US" smtClean="0"/>
+              <a:rPr lang="zh-TW" altLang="en-US"/>
               <a:t>第三層</a:t>
             </a:r>
           </a:p>
           <a:p>
             <a:pPr lvl="3"/>
             <a:r>
-              <a:rPr lang="zh-TW" altLang="en-US" smtClean="0"/>
+              <a:rPr lang="zh-TW" altLang="en-US"/>
               <a:t>第四層</a:t>
             </a:r>
           </a:p>
           <a:p>
             <a:pPr lvl="4"/>
             <a:r>
-              <a:rPr lang="zh-TW" altLang="en-US" smtClean="0"/>
+              <a:rPr lang="zh-TW" altLang="en-US"/>
               <a:t>第五層</a:t>
             </a:r>
-            <a:endParaRPr lang="zh-TW" altLang="en-US"/>
           </a:p>
         </p:txBody>
       </p:sp>
@@ -2719,7 +2697,7 @@
             <a:fld id="{F5111003-CFFD-4D7C-BD20-490209D697E8}" type="datetimeFigureOut">
               <a:rPr lang="zh-TW" altLang="en-US" smtClean="0"/>
               <a:pPr/>
-              <a:t>2023/9/16</a:t>
+              <a:t>2024/3/9</a:t>
             </a:fld>
             <a:endParaRPr lang="zh-TW" altLang="en-US"/>
           </a:p>
@@ -3251,8 +3229,8 @@
         </p:nvSpPr>
         <p:spPr>
           <a:xfrm>
-            <a:off x="178" y="5373218"/>
-            <a:ext cx="12191823" cy="769441"/>
+            <a:off x="178" y="5434772"/>
+            <a:ext cx="12191823" cy="646331"/>
           </a:xfrm>
           <a:prstGeom prst="rect">
             <a:avLst/>
@@ -3267,7 +3245,7 @@
           <a:p>
             <a:pPr algn="ctr"/>
             <a:r>
-              <a:rPr lang="en-US" sz="4400" b="1" dirty="0">
+              <a:rPr lang="en-US" sz="3600" b="1" dirty="0">
                 <a:solidFill>
                   <a:srgbClr val="000066"/>
                 </a:solidFill>
@@ -3278,7 +3256,7 @@
               <a:t>( </a:t>
             </a:r>
             <a:r>
-              <a:rPr lang="zh-CN" altLang="en-US" sz="4400" b="1" dirty="0">
+              <a:rPr lang="zh-CN" altLang="en-US" sz="3600" b="1" dirty="0">
                 <a:solidFill>
                   <a:srgbClr val="000066"/>
                 </a:solidFill>
@@ -3286,10 +3264,10 @@
                 <a:latin typeface="Microsoft JhengHei" panose="020B0604030504040204" pitchFamily="34" charset="-120"/>
                 <a:ea typeface="Microsoft JhengHei" panose="020B0604030504040204" pitchFamily="34" charset="-120"/>
               </a:rPr>
-              <a:t>正</a:t>
-            </a:r>
-            <a:r>
-              <a:rPr lang="en-US" sz="4400" b="1" dirty="0">
+              <a:t>正歌</a:t>
+            </a:r>
+            <a:r>
+              <a:rPr lang="en-US" sz="3600" b="1" dirty="0">
                 <a:solidFill>
                   <a:srgbClr val="000066"/>
                 </a:solidFill>
@@ -3299,7 +3277,7 @@
               </a:rPr>
               <a:t> )</a:t>
             </a:r>
-            <a:endParaRPr lang="vi-VN" sz="4400" b="1" dirty="0">
+            <a:endParaRPr lang="vi-VN" sz="3600" b="1" dirty="0">
               <a:solidFill>
                 <a:srgbClr val="000066"/>
               </a:solidFill>
@@ -3407,8 +3385,8 @@
         </p:nvSpPr>
         <p:spPr>
           <a:xfrm>
-            <a:off x="178" y="5373218"/>
-            <a:ext cx="12191823" cy="769441"/>
+            <a:off x="178" y="5434773"/>
+            <a:ext cx="12191823" cy="646331"/>
           </a:xfrm>
           <a:prstGeom prst="rect">
             <a:avLst/>
@@ -3423,43 +3401,39 @@
           <a:p>
             <a:pPr algn="ctr"/>
             <a:r>
-              <a:rPr lang="en-US" sz="4400" b="1" dirty="0">
+              <a:rPr lang="en-US" sz="3600" b="1" dirty="0">
                 <a:solidFill>
                   <a:srgbClr val="000066"/>
                 </a:solidFill>
-                <a:effectLst/>
                 <a:latin typeface="Microsoft JhengHei" panose="020B0604030504040204" pitchFamily="34" charset="-120"/>
                 <a:ea typeface="Microsoft JhengHei" panose="020B0604030504040204" pitchFamily="34" charset="-120"/>
               </a:rPr>
               <a:t>( </a:t>
             </a:r>
             <a:r>
-              <a:rPr lang="zh-CN" altLang="en-US" sz="4400" b="1" dirty="0">
+              <a:rPr lang="zh-CN" altLang="en-US" sz="3600" b="1" dirty="0">
                 <a:solidFill>
                   <a:srgbClr val="000066"/>
                 </a:solidFill>
-                <a:effectLst/>
                 <a:latin typeface="Microsoft JhengHei" panose="020B0604030504040204" pitchFamily="34" charset="-120"/>
                 <a:ea typeface="Microsoft JhengHei" panose="020B0604030504040204" pitchFamily="34" charset="-120"/>
               </a:rPr>
-              <a:t>正</a:t>
-            </a:r>
-            <a:r>
-              <a:rPr lang="en-US" sz="4400" b="1" dirty="0">
+              <a:t>正歌</a:t>
+            </a:r>
+            <a:r>
+              <a:rPr lang="en-US" sz="3600" b="1" dirty="0">
                 <a:solidFill>
                   <a:srgbClr val="000066"/>
                 </a:solidFill>
-                <a:effectLst/>
                 <a:latin typeface="Microsoft JhengHei" panose="020B0604030504040204" pitchFamily="34" charset="-120"/>
                 <a:ea typeface="Microsoft JhengHei" panose="020B0604030504040204" pitchFamily="34" charset="-120"/>
               </a:rPr>
               <a:t> )</a:t>
             </a:r>
-            <a:endParaRPr lang="vi-VN" sz="4400" b="1" dirty="0">
+            <a:endParaRPr lang="vi-VN" sz="3600" b="1" dirty="0">
               <a:solidFill>
                 <a:srgbClr val="000066"/>
               </a:solidFill>
-              <a:effectLst/>
               <a:ea typeface="Microsoft JhengHei" panose="020B0604030504040204" pitchFamily="34" charset="-120"/>
             </a:endParaRPr>
           </a:p>
@@ -3528,20 +3502,10 @@
                 <a:latin typeface="微軟正黑體" pitchFamily="34" charset="-120"/>
                 <a:ea typeface="微軟正黑體" pitchFamily="34" charset="-120"/>
               </a:rPr>
-              <a:t>榮耀尊貴   能力權柄歸</a:t>
-            </a:r>
-            <a:r>
-              <a:rPr lang="zh-TW" altLang="en-US" sz="6400" b="1" dirty="0" smtClean="0">
-                <a:solidFill>
-                  <a:srgbClr val="000066"/>
-                </a:solidFill>
-                <a:latin typeface="微軟正黑體" pitchFamily="34" charset="-120"/>
-                <a:ea typeface="微軟正黑體" pitchFamily="34" charset="-120"/>
-              </a:rPr>
-              <a:t>於</a:t>
-            </a:r>
-            <a:r>
-              <a:rPr lang="zh-CN" altLang="en-US" sz="6400" b="1" dirty="0" smtClean="0">
+              <a:t>榮耀尊貴   能力權柄歸於</a:t>
+            </a:r>
+            <a:r>
+              <a:rPr lang="zh-CN" altLang="en-US" sz="6400" b="1" dirty="0">
                 <a:solidFill>
                   <a:srgbClr val="000066"/>
                 </a:solidFill>
@@ -3563,7 +3527,7 @@
               <a:buNone/>
             </a:pPr>
             <a:r>
-              <a:rPr lang="zh-CN" altLang="en-US" sz="6400" b="1" dirty="0" smtClean="0">
+              <a:rPr lang="zh-CN" altLang="en-US" sz="6400" b="1" dirty="0">
                 <a:solidFill>
                   <a:srgbClr val="000066"/>
                 </a:solidFill>
@@ -3573,24 +3537,14 @@
               <a:t>祢</a:t>
             </a:r>
             <a:r>
-              <a:rPr lang="zh-TW" altLang="en-US" sz="6400" b="1" dirty="0" smtClean="0">
+              <a:rPr lang="zh-TW" altLang="en-US" sz="6400" b="1" dirty="0">
                 <a:solidFill>
                   <a:srgbClr val="000066"/>
                 </a:solidFill>
                 <a:latin typeface="微軟正黑體" pitchFamily="34" charset="-120"/>
                 <a:ea typeface="微軟正黑體" pitchFamily="34" charset="-120"/>
               </a:rPr>
-              <a:t>是</a:t>
-            </a:r>
-            <a:r>
-              <a:rPr lang="zh-TW" altLang="en-US" sz="6400" b="1" dirty="0">
-                <a:solidFill>
-                  <a:srgbClr val="000066"/>
-                </a:solidFill>
-                <a:latin typeface="微軟正黑體" pitchFamily="34" charset="-120"/>
-                <a:ea typeface="微軟正黑體" pitchFamily="34" charset="-120"/>
-              </a:rPr>
-              <a:t>我的救主   我的救贖</a:t>
+              <a:t>是我的救主   我的救贖</a:t>
             </a:r>
             <a:endParaRPr lang="en-US" altLang="zh-TW" sz="6400" b="1" dirty="0">
               <a:solidFill>
@@ -3610,8 +3564,8 @@
         </p:nvSpPr>
         <p:spPr>
           <a:xfrm>
-            <a:off x="178" y="5373218"/>
-            <a:ext cx="12191823" cy="769441"/>
+            <a:off x="178" y="5434773"/>
+            <a:ext cx="12191823" cy="646331"/>
           </a:xfrm>
           <a:prstGeom prst="rect">
             <a:avLst/>
@@ -3626,43 +3580,39 @@
           <a:p>
             <a:pPr algn="ctr"/>
             <a:r>
-              <a:rPr lang="en-US" sz="4400" b="1" dirty="0">
+              <a:rPr lang="en-US" sz="3600" b="1" dirty="0">
                 <a:solidFill>
                   <a:srgbClr val="000066"/>
                 </a:solidFill>
-                <a:effectLst/>
                 <a:latin typeface="Microsoft JhengHei" panose="020B0604030504040204" pitchFamily="34" charset="-120"/>
                 <a:ea typeface="Microsoft JhengHei" panose="020B0604030504040204" pitchFamily="34" charset="-120"/>
               </a:rPr>
               <a:t>( </a:t>
             </a:r>
             <a:r>
-              <a:rPr lang="zh-CN" altLang="en-US" sz="4400" b="1" dirty="0">
+              <a:rPr lang="zh-CN" altLang="en-US" sz="3600" b="1" dirty="0">
                 <a:solidFill>
                   <a:srgbClr val="000066"/>
                 </a:solidFill>
-                <a:effectLst/>
                 <a:latin typeface="Microsoft JhengHei" panose="020B0604030504040204" pitchFamily="34" charset="-120"/>
                 <a:ea typeface="Microsoft JhengHei" panose="020B0604030504040204" pitchFamily="34" charset="-120"/>
               </a:rPr>
-              <a:t>副</a:t>
-            </a:r>
-            <a:r>
-              <a:rPr lang="en-US" sz="4400" b="1" dirty="0">
+              <a:t>副歌</a:t>
+            </a:r>
+            <a:r>
+              <a:rPr lang="en-US" sz="3600" b="1" dirty="0">
                 <a:solidFill>
                   <a:srgbClr val="000066"/>
                 </a:solidFill>
-                <a:effectLst/>
                 <a:latin typeface="Microsoft JhengHei" panose="020B0604030504040204" pitchFamily="34" charset="-120"/>
                 <a:ea typeface="Microsoft JhengHei" panose="020B0604030504040204" pitchFamily="34" charset="-120"/>
               </a:rPr>
               <a:t> )</a:t>
             </a:r>
-            <a:endParaRPr lang="vi-VN" sz="4400" b="1" dirty="0">
+            <a:endParaRPr lang="vi-VN" sz="3600" b="1" dirty="0">
               <a:solidFill>
                 <a:srgbClr val="000066"/>
               </a:solidFill>
-              <a:effectLst/>
               <a:ea typeface="Microsoft JhengHei" panose="020B0604030504040204" pitchFamily="34" charset="-120"/>
             </a:endParaRPr>
           </a:p>
@@ -3753,20 +3703,10 @@
                 <a:latin typeface="微軟正黑體" pitchFamily="34" charset="-120"/>
                 <a:ea typeface="微軟正黑體" pitchFamily="34" charset="-120"/>
               </a:rPr>
-              <a:t>能力權柄歸</a:t>
-            </a:r>
-            <a:r>
-              <a:rPr lang="zh-TW" altLang="en-US" sz="6400" b="1" dirty="0" smtClean="0">
-                <a:solidFill>
-                  <a:srgbClr val="000066"/>
-                </a:solidFill>
-                <a:latin typeface="微軟正黑體" pitchFamily="34" charset="-120"/>
-                <a:ea typeface="微軟正黑體" pitchFamily="34" charset="-120"/>
-              </a:rPr>
-              <a:t>於</a:t>
-            </a:r>
-            <a:r>
-              <a:rPr lang="zh-CN" altLang="en-US" sz="6400" b="1" dirty="0" smtClean="0">
+              <a:t>能力權柄歸於</a:t>
+            </a:r>
+            <a:r>
+              <a:rPr lang="zh-CN" altLang="en-US" sz="6400" b="1" dirty="0">
                 <a:solidFill>
                   <a:srgbClr val="000066"/>
                 </a:solidFill>
@@ -3793,8 +3733,8 @@
         </p:nvSpPr>
         <p:spPr>
           <a:xfrm>
-            <a:off x="178" y="5373218"/>
-            <a:ext cx="12191823" cy="769441"/>
+            <a:off x="178" y="5434773"/>
+            <a:ext cx="12191823" cy="646331"/>
           </a:xfrm>
           <a:prstGeom prst="rect">
             <a:avLst/>
@@ -3809,43 +3749,39 @@
           <a:p>
             <a:pPr algn="ctr"/>
             <a:r>
-              <a:rPr lang="en-US" sz="4400" b="1" dirty="0">
+              <a:rPr lang="en-US" sz="3600" b="1" dirty="0">
                 <a:solidFill>
                   <a:srgbClr val="000066"/>
                 </a:solidFill>
-                <a:effectLst/>
                 <a:latin typeface="Microsoft JhengHei" panose="020B0604030504040204" pitchFamily="34" charset="-120"/>
                 <a:ea typeface="Microsoft JhengHei" panose="020B0604030504040204" pitchFamily="34" charset="-120"/>
               </a:rPr>
               <a:t>( </a:t>
             </a:r>
             <a:r>
-              <a:rPr lang="zh-CN" altLang="en-US" sz="4400" b="1" dirty="0">
+              <a:rPr lang="zh-CN" altLang="en-US" sz="3600" b="1" dirty="0">
                 <a:solidFill>
                   <a:srgbClr val="000066"/>
                 </a:solidFill>
-                <a:effectLst/>
                 <a:latin typeface="Microsoft JhengHei" panose="020B0604030504040204" pitchFamily="34" charset="-120"/>
                 <a:ea typeface="Microsoft JhengHei" panose="020B0604030504040204" pitchFamily="34" charset="-120"/>
               </a:rPr>
-              <a:t>副</a:t>
-            </a:r>
-            <a:r>
-              <a:rPr lang="en-US" sz="4400" b="1" dirty="0">
+              <a:t>副歌</a:t>
+            </a:r>
+            <a:r>
+              <a:rPr lang="en-US" sz="3600" b="1" dirty="0">
                 <a:solidFill>
                   <a:srgbClr val="000066"/>
                 </a:solidFill>
-                <a:effectLst/>
                 <a:latin typeface="Microsoft JhengHei" panose="020B0604030504040204" pitchFamily="34" charset="-120"/>
                 <a:ea typeface="Microsoft JhengHei" panose="020B0604030504040204" pitchFamily="34" charset="-120"/>
               </a:rPr>
               <a:t> )</a:t>
             </a:r>
-            <a:endParaRPr lang="vi-VN" sz="4400" b="1" dirty="0">
+            <a:endParaRPr lang="vi-VN" sz="3600" b="1" dirty="0">
               <a:solidFill>
                 <a:srgbClr val="000066"/>
               </a:solidFill>
-              <a:effectLst/>
               <a:ea typeface="Microsoft JhengHei" panose="020B0604030504040204" pitchFamily="34" charset="-120"/>
             </a:endParaRPr>
           </a:p>
@@ -3907,7 +3843,7 @@
               <a:buNone/>
             </a:pPr>
             <a:r>
-              <a:rPr lang="zh-CN" altLang="en-US" sz="6400" b="1" dirty="0" smtClean="0">
+              <a:rPr lang="zh-CN" altLang="en-US" sz="6400" b="1" dirty="0">
                 <a:solidFill>
                   <a:srgbClr val="000066"/>
                 </a:solidFill>
@@ -3917,27 +3853,17 @@
               <a:t>祢</a:t>
             </a:r>
             <a:r>
-              <a:rPr lang="zh-TW" altLang="en-US" sz="6400" b="1" dirty="0" smtClean="0">
+              <a:rPr lang="zh-TW" altLang="en-US" sz="6400" b="1" dirty="0">
                 <a:solidFill>
                   <a:srgbClr val="000066"/>
                 </a:solidFill>
                 <a:latin typeface="微軟正黑體" pitchFamily="34" charset="-120"/>
                 <a:ea typeface="微軟正黑體" pitchFamily="34" charset="-120"/>
               </a:rPr>
-              <a:t>是</a:t>
-            </a:r>
-            <a:r>
-              <a:rPr lang="zh-TW" altLang="en-US" sz="6400" b="1" dirty="0">
-                <a:solidFill>
-                  <a:srgbClr val="000066"/>
-                </a:solidFill>
-                <a:latin typeface="微軟正黑體" pitchFamily="34" charset="-120"/>
-                <a:ea typeface="微軟正黑體" pitchFamily="34" charset="-120"/>
-              </a:rPr>
-              <a:t>配得  </a:t>
-            </a:r>
-            <a:r>
-              <a:rPr lang="zh-CN" altLang="en-US" sz="6400" b="1" dirty="0" smtClean="0">
+              <a:t>是配得  </a:t>
+            </a:r>
+            <a:r>
+              <a:rPr lang="zh-CN" altLang="en-US" sz="6400" b="1" dirty="0">
                 <a:solidFill>
                   <a:srgbClr val="000066"/>
                 </a:solidFill>
@@ -3947,24 +3873,14 @@
               <a:t>祢</a:t>
             </a:r>
             <a:r>
-              <a:rPr lang="zh-TW" altLang="en-US" sz="6400" b="1" dirty="0" smtClean="0">
+              <a:rPr lang="zh-TW" altLang="en-US" sz="6400" b="1" dirty="0">
                 <a:solidFill>
                   <a:srgbClr val="000066"/>
                 </a:solidFill>
                 <a:latin typeface="微軟正黑體" pitchFamily="34" charset="-120"/>
                 <a:ea typeface="微軟正黑體" pitchFamily="34" charset="-120"/>
               </a:rPr>
-              <a:t>是</a:t>
-            </a:r>
-            <a:r>
-              <a:rPr lang="zh-TW" altLang="en-US" sz="6400" b="1" dirty="0">
-                <a:solidFill>
-                  <a:srgbClr val="000066"/>
-                </a:solidFill>
-                <a:latin typeface="微軟正黑體" pitchFamily="34" charset="-120"/>
-                <a:ea typeface="微軟正黑體" pitchFamily="34" charset="-120"/>
-              </a:rPr>
-              <a:t>配得</a:t>
+              <a:t>是配得</a:t>
             </a:r>
             <a:endParaRPr lang="en-US" altLang="zh-TW" sz="6400" b="1" dirty="0">
               <a:solidFill>
@@ -3979,7 +3895,7 @@
               <a:buNone/>
             </a:pPr>
             <a:r>
-              <a:rPr lang="zh-CN" altLang="en-US" sz="6400" b="1" dirty="0" smtClean="0">
+              <a:rPr lang="zh-CN" altLang="en-US" sz="6400" b="1" dirty="0">
                 <a:solidFill>
                   <a:srgbClr val="000066"/>
                 </a:solidFill>
@@ -3989,24 +3905,14 @@
               <a:t>祢</a:t>
             </a:r>
             <a:r>
-              <a:rPr lang="zh-TW" altLang="en-US" sz="6400" b="1" dirty="0" smtClean="0">
+              <a:rPr lang="zh-TW" altLang="en-US" sz="6400" b="1" dirty="0">
                 <a:solidFill>
                   <a:srgbClr val="000066"/>
                 </a:solidFill>
                 <a:latin typeface="微軟正黑體" pitchFamily="34" charset="-120"/>
                 <a:ea typeface="微軟正黑體" pitchFamily="34" charset="-120"/>
               </a:rPr>
-              <a:t>是</a:t>
-            </a:r>
-            <a:r>
-              <a:rPr lang="zh-TW" altLang="en-US" sz="6400" b="1" dirty="0">
-                <a:solidFill>
-                  <a:srgbClr val="000066"/>
-                </a:solidFill>
-                <a:latin typeface="微軟正黑體" pitchFamily="34" charset="-120"/>
-                <a:ea typeface="微軟正黑體" pitchFamily="34" charset="-120"/>
-              </a:rPr>
-              <a:t>配得我的敬拜</a:t>
+              <a:t>是配得我的敬拜</a:t>
             </a:r>
           </a:p>
         </p:txBody>
@@ -4019,8 +3925,8 @@
         </p:nvSpPr>
         <p:spPr>
           <a:xfrm>
-            <a:off x="178" y="5373218"/>
-            <a:ext cx="12191823" cy="769441"/>
+            <a:off x="178" y="5434773"/>
+            <a:ext cx="12191823" cy="646331"/>
           </a:xfrm>
           <a:prstGeom prst="rect">
             <a:avLst/>
@@ -4035,43 +3941,39 @@
           <a:p>
             <a:pPr algn="ctr"/>
             <a:r>
-              <a:rPr lang="en-US" sz="4400" b="1" dirty="0">
+              <a:rPr lang="en-US" sz="3600" b="1" dirty="0">
                 <a:solidFill>
                   <a:srgbClr val="000066"/>
                 </a:solidFill>
-                <a:effectLst/>
                 <a:latin typeface="Microsoft JhengHei" panose="020B0604030504040204" pitchFamily="34" charset="-120"/>
                 <a:ea typeface="Microsoft JhengHei" panose="020B0604030504040204" pitchFamily="34" charset="-120"/>
               </a:rPr>
               <a:t>( </a:t>
             </a:r>
             <a:r>
-              <a:rPr lang="zh-CN" altLang="en-US" sz="4400" b="1" dirty="0">
+              <a:rPr lang="zh-CN" altLang="en-US" sz="3600" b="1" dirty="0">
                 <a:solidFill>
                   <a:srgbClr val="000066"/>
                 </a:solidFill>
-                <a:effectLst/>
                 <a:latin typeface="Microsoft JhengHei" panose="020B0604030504040204" pitchFamily="34" charset="-120"/>
                 <a:ea typeface="Microsoft JhengHei" panose="020B0604030504040204" pitchFamily="34" charset="-120"/>
               </a:rPr>
-              <a:t>副</a:t>
-            </a:r>
-            <a:r>
-              <a:rPr lang="en-US" sz="4400" b="1" dirty="0">
+              <a:t>副歌</a:t>
+            </a:r>
+            <a:r>
+              <a:rPr lang="en-US" sz="3600" b="1" dirty="0">
                 <a:solidFill>
                   <a:srgbClr val="000066"/>
                 </a:solidFill>
-                <a:effectLst/>
                 <a:latin typeface="Microsoft JhengHei" panose="020B0604030504040204" pitchFamily="34" charset="-120"/>
                 <a:ea typeface="Microsoft JhengHei" panose="020B0604030504040204" pitchFamily="34" charset="-120"/>
               </a:rPr>
               <a:t> )</a:t>
             </a:r>
-            <a:endParaRPr lang="vi-VN" sz="4400" b="1" dirty="0">
+            <a:endParaRPr lang="vi-VN" sz="3600" b="1" dirty="0">
               <a:solidFill>
                 <a:srgbClr val="000066"/>
               </a:solidFill>
-              <a:effectLst/>
               <a:ea typeface="Microsoft JhengHei" panose="020B0604030504040204" pitchFamily="34" charset="-120"/>
             </a:endParaRPr>
           </a:p>
@@ -4182,8 +4084,8 @@
         </p:nvSpPr>
         <p:spPr>
           <a:xfrm>
-            <a:off x="178" y="5373218"/>
-            <a:ext cx="12191823" cy="769441"/>
+            <a:off x="178" y="5434773"/>
+            <a:ext cx="12191823" cy="646331"/>
           </a:xfrm>
           <a:prstGeom prst="rect">
             <a:avLst/>
@@ -4198,43 +4100,59 @@
           <a:p>
             <a:pPr algn="ctr"/>
             <a:r>
-              <a:rPr lang="en-US" sz="4400" b="1" dirty="0">
+              <a:rPr lang="en-US" sz="3600" b="1" dirty="0">
                 <a:solidFill>
                   <a:srgbClr val="000066"/>
                 </a:solidFill>
-                <a:effectLst/>
                 <a:latin typeface="Microsoft JhengHei" panose="020B0604030504040204" pitchFamily="34" charset="-120"/>
                 <a:ea typeface="Microsoft JhengHei" panose="020B0604030504040204" pitchFamily="34" charset="-120"/>
               </a:rPr>
               <a:t>( </a:t>
             </a:r>
             <a:r>
-              <a:rPr lang="zh-CN" altLang="en-US" sz="4400" b="1" dirty="0">
+              <a:rPr lang="zh-CN" altLang="en-US" sz="3600" b="1" dirty="0">
                 <a:solidFill>
                   <a:srgbClr val="000066"/>
                 </a:solidFill>
-                <a:effectLst/>
                 <a:latin typeface="Microsoft JhengHei" panose="020B0604030504040204" pitchFamily="34" charset="-120"/>
                 <a:ea typeface="Microsoft JhengHei" panose="020B0604030504040204" pitchFamily="34" charset="-120"/>
               </a:rPr>
               <a:t>橋</a:t>
             </a:r>
             <a:r>
-              <a:rPr lang="en-US" sz="4400" b="1" dirty="0">
+              <a:rPr lang="en-US" sz="3600" b="1" dirty="0">
                 <a:solidFill>
                   <a:srgbClr val="000066"/>
                 </a:solidFill>
-                <a:effectLst/>
                 <a:latin typeface="Microsoft JhengHei" panose="020B0604030504040204" pitchFamily="34" charset="-120"/>
                 <a:ea typeface="Microsoft JhengHei" panose="020B0604030504040204" pitchFamily="34" charset="-120"/>
               </a:rPr>
-              <a:t> )( x2 )</a:t>
-            </a:r>
-            <a:endParaRPr lang="vi-VN" sz="4400" b="1" dirty="0">
+              <a:t> )( 2</a:t>
+            </a:r>
+            <a:r>
+              <a:rPr lang="zh-CN" altLang="en-US" sz="3600" b="1" dirty="0">
+                <a:solidFill>
+                  <a:srgbClr val="000066"/>
+                </a:solidFill>
+                <a:latin typeface="Microsoft JhengHei" panose="020B0604030504040204" pitchFamily="34" charset="-120"/>
+                <a:ea typeface="Microsoft JhengHei" panose="020B0604030504040204" pitchFamily="34" charset="-120"/>
+              </a:rPr>
+              <a:t>次</a:t>
+            </a:r>
+            <a:r>
+              <a:rPr lang="en-US" sz="3600" b="1" dirty="0">
+                <a:solidFill>
+                  <a:srgbClr val="000066"/>
+                </a:solidFill>
+                <a:latin typeface="Microsoft JhengHei" panose="020B0604030504040204" pitchFamily="34" charset="-120"/>
+                <a:ea typeface="Microsoft JhengHei" panose="020B0604030504040204" pitchFamily="34" charset="-120"/>
+              </a:rPr>
+              <a:t> )</a:t>
+            </a:r>
+            <a:endParaRPr lang="vi-VN" sz="3600" b="1" dirty="0">
               <a:solidFill>
                 <a:srgbClr val="000066"/>
               </a:solidFill>
-              <a:effectLst/>
               <a:ea typeface="Microsoft JhengHei" panose="020B0604030504040204" pitchFamily="34" charset="-120"/>
             </a:endParaRPr>
           </a:p>
